--- a/images/BlockDiagram.pptx
+++ b/images/BlockDiagram.pptx
@@ -259,7 +259,7 @@
           <a:p>
             <a:fld id="{C284373C-AE3C-4775-A8C9-66950A6586CC}" type="datetimeFigureOut">
               <a:rPr kumimoji="1" lang="ja-JP" altLang="en-US" smtClean="0"/>
-              <a:t>2021/10/28</a:t>
+              <a:t>2021/11/29</a:t>
             </a:fld>
             <a:endParaRPr kumimoji="1" lang="ja-JP" altLang="en-US"/>
           </a:p>
@@ -489,7 +489,7 @@
           <a:p>
             <a:fld id="{C284373C-AE3C-4775-A8C9-66950A6586CC}" type="datetimeFigureOut">
               <a:rPr kumimoji="1" lang="ja-JP" altLang="en-US" smtClean="0"/>
-              <a:t>2021/10/28</a:t>
+              <a:t>2021/11/29</a:t>
             </a:fld>
             <a:endParaRPr kumimoji="1" lang="ja-JP" altLang="en-US"/>
           </a:p>
@@ -729,7 +729,7 @@
           <a:p>
             <a:fld id="{C284373C-AE3C-4775-A8C9-66950A6586CC}" type="datetimeFigureOut">
               <a:rPr kumimoji="1" lang="ja-JP" altLang="en-US" smtClean="0"/>
-              <a:t>2021/10/28</a:t>
+              <a:t>2021/11/29</a:t>
             </a:fld>
             <a:endParaRPr kumimoji="1" lang="ja-JP" altLang="en-US"/>
           </a:p>
@@ -959,7 +959,7 @@
           <a:p>
             <a:fld id="{C284373C-AE3C-4775-A8C9-66950A6586CC}" type="datetimeFigureOut">
               <a:rPr kumimoji="1" lang="ja-JP" altLang="en-US" smtClean="0"/>
-              <a:t>2021/10/28</a:t>
+              <a:t>2021/11/29</a:t>
             </a:fld>
             <a:endParaRPr kumimoji="1" lang="ja-JP" altLang="en-US"/>
           </a:p>
@@ -1234,7 +1234,7 @@
           <a:p>
             <a:fld id="{C284373C-AE3C-4775-A8C9-66950A6586CC}" type="datetimeFigureOut">
               <a:rPr kumimoji="1" lang="ja-JP" altLang="en-US" smtClean="0"/>
-              <a:t>2021/10/28</a:t>
+              <a:t>2021/11/29</a:t>
             </a:fld>
             <a:endParaRPr kumimoji="1" lang="ja-JP" altLang="en-US"/>
           </a:p>
@@ -1563,7 +1563,7 @@
           <a:p>
             <a:fld id="{C284373C-AE3C-4775-A8C9-66950A6586CC}" type="datetimeFigureOut">
               <a:rPr kumimoji="1" lang="ja-JP" altLang="en-US" smtClean="0"/>
-              <a:t>2021/10/28</a:t>
+              <a:t>2021/11/29</a:t>
             </a:fld>
             <a:endParaRPr kumimoji="1" lang="ja-JP" altLang="en-US"/>
           </a:p>
@@ -2039,7 +2039,7 @@
           <a:p>
             <a:fld id="{C284373C-AE3C-4775-A8C9-66950A6586CC}" type="datetimeFigureOut">
               <a:rPr kumimoji="1" lang="ja-JP" altLang="en-US" smtClean="0"/>
-              <a:t>2021/10/28</a:t>
+              <a:t>2021/11/29</a:t>
             </a:fld>
             <a:endParaRPr kumimoji="1" lang="ja-JP" altLang="en-US"/>
           </a:p>
@@ -2180,7 +2180,7 @@
           <a:p>
             <a:fld id="{C284373C-AE3C-4775-A8C9-66950A6586CC}" type="datetimeFigureOut">
               <a:rPr kumimoji="1" lang="ja-JP" altLang="en-US" smtClean="0"/>
-              <a:t>2021/10/28</a:t>
+              <a:t>2021/11/29</a:t>
             </a:fld>
             <a:endParaRPr kumimoji="1" lang="ja-JP" altLang="en-US"/>
           </a:p>
@@ -2293,7 +2293,7 @@
           <a:p>
             <a:fld id="{C284373C-AE3C-4775-A8C9-66950A6586CC}" type="datetimeFigureOut">
               <a:rPr kumimoji="1" lang="ja-JP" altLang="en-US" smtClean="0"/>
-              <a:t>2021/10/28</a:t>
+              <a:t>2021/11/29</a:t>
             </a:fld>
             <a:endParaRPr kumimoji="1" lang="ja-JP" altLang="en-US"/>
           </a:p>
@@ -2636,7 +2636,7 @@
           <a:p>
             <a:fld id="{C284373C-AE3C-4775-A8C9-66950A6586CC}" type="datetimeFigureOut">
               <a:rPr kumimoji="1" lang="ja-JP" altLang="en-US" smtClean="0"/>
-              <a:t>2021/10/28</a:t>
+              <a:t>2021/11/29</a:t>
             </a:fld>
             <a:endParaRPr kumimoji="1" lang="ja-JP" altLang="en-US"/>
           </a:p>
@@ -2924,7 +2924,7 @@
           <a:p>
             <a:fld id="{C284373C-AE3C-4775-A8C9-66950A6586CC}" type="datetimeFigureOut">
               <a:rPr kumimoji="1" lang="ja-JP" altLang="en-US" smtClean="0"/>
-              <a:t>2021/10/28</a:t>
+              <a:t>2021/11/29</a:t>
             </a:fld>
             <a:endParaRPr kumimoji="1" lang="ja-JP" altLang="en-US"/>
           </a:p>
@@ -3197,7 +3197,7 @@
           <a:p>
             <a:fld id="{C284373C-AE3C-4775-A8C9-66950A6586CC}" type="datetimeFigureOut">
               <a:rPr kumimoji="1" lang="ja-JP" altLang="en-US" smtClean="0"/>
-              <a:t>2021/10/28</a:t>
+              <a:t>2021/11/29</a:t>
             </a:fld>
             <a:endParaRPr kumimoji="1" lang="ja-JP" altLang="en-US"/>
           </a:p>
@@ -9506,8 +9506,8 @@
         </p:nvSpPr>
         <p:spPr>
           <a:xfrm rot="16200000">
-            <a:off x="1135969" y="3047356"/>
-            <a:ext cx="1452870" cy="246221"/>
+            <a:off x="910649" y="3028649"/>
+            <a:ext cx="1903510" cy="223138"/>
           </a:xfrm>
           <a:prstGeom prst="rect">
             <a:avLst/>
@@ -9521,13 +9521,13 @@
           <a:lstStyle/>
           <a:p>
             <a:r>
-              <a:rPr kumimoji="1" lang="en-US" altLang="ja-JP" sz="1000" b="1" i="1" dirty="0">
+              <a:rPr kumimoji="1" lang="en-US" altLang="ja-JP" sz="850" b="1" i="1" dirty="0">
                 <a:latin typeface="Meiryo UI" panose="020B0604030504040204" pitchFamily="50" charset="-128"/>
                 <a:ea typeface="Meiryo UI" panose="020B0604030504040204" pitchFamily="50" charset="-128"/>
               </a:rPr>
-              <a:t>B to B Connector</a:t>
-            </a:r>
-            <a:endParaRPr kumimoji="1" lang="ja-JP" altLang="en-US" sz="1600" b="1" i="1" dirty="0">
+              <a:t>Board to Board Connector</a:t>
+            </a:r>
+            <a:endParaRPr kumimoji="1" lang="ja-JP" altLang="en-US" sz="850" b="1" i="1" dirty="0">
               <a:latin typeface="Meiryo UI" panose="020B0604030504040204" pitchFamily="50" charset="-128"/>
               <a:ea typeface="Meiryo UI" panose="020B0604030504040204" pitchFamily="50" charset="-128"/>
             </a:endParaRPr>

--- a/images/BlockDiagram.pptx
+++ b/images/BlockDiagram.pptx
@@ -259,7 +259,7 @@
           <a:p>
             <a:fld id="{C284373C-AE3C-4775-A8C9-66950A6586CC}" type="datetimeFigureOut">
               <a:rPr kumimoji="1" lang="ja-JP" altLang="en-US" smtClean="0"/>
-              <a:t>2021/11/29</a:t>
+              <a:t>2022/1/20</a:t>
             </a:fld>
             <a:endParaRPr kumimoji="1" lang="ja-JP" altLang="en-US"/>
           </a:p>
@@ -489,7 +489,7 @@
           <a:p>
             <a:fld id="{C284373C-AE3C-4775-A8C9-66950A6586CC}" type="datetimeFigureOut">
               <a:rPr kumimoji="1" lang="ja-JP" altLang="en-US" smtClean="0"/>
-              <a:t>2021/11/29</a:t>
+              <a:t>2022/1/20</a:t>
             </a:fld>
             <a:endParaRPr kumimoji="1" lang="ja-JP" altLang="en-US"/>
           </a:p>
@@ -729,7 +729,7 @@
           <a:p>
             <a:fld id="{C284373C-AE3C-4775-A8C9-66950A6586CC}" type="datetimeFigureOut">
               <a:rPr kumimoji="1" lang="ja-JP" altLang="en-US" smtClean="0"/>
-              <a:t>2021/11/29</a:t>
+              <a:t>2022/1/20</a:t>
             </a:fld>
             <a:endParaRPr kumimoji="1" lang="ja-JP" altLang="en-US"/>
           </a:p>
@@ -959,7 +959,7 @@
           <a:p>
             <a:fld id="{C284373C-AE3C-4775-A8C9-66950A6586CC}" type="datetimeFigureOut">
               <a:rPr kumimoji="1" lang="ja-JP" altLang="en-US" smtClean="0"/>
-              <a:t>2021/11/29</a:t>
+              <a:t>2022/1/20</a:t>
             </a:fld>
             <a:endParaRPr kumimoji="1" lang="ja-JP" altLang="en-US"/>
           </a:p>
@@ -1234,7 +1234,7 @@
           <a:p>
             <a:fld id="{C284373C-AE3C-4775-A8C9-66950A6586CC}" type="datetimeFigureOut">
               <a:rPr kumimoji="1" lang="ja-JP" altLang="en-US" smtClean="0"/>
-              <a:t>2021/11/29</a:t>
+              <a:t>2022/1/20</a:t>
             </a:fld>
             <a:endParaRPr kumimoji="1" lang="ja-JP" altLang="en-US"/>
           </a:p>
@@ -1563,7 +1563,7 @@
           <a:p>
             <a:fld id="{C284373C-AE3C-4775-A8C9-66950A6586CC}" type="datetimeFigureOut">
               <a:rPr kumimoji="1" lang="ja-JP" altLang="en-US" smtClean="0"/>
-              <a:t>2021/11/29</a:t>
+              <a:t>2022/1/20</a:t>
             </a:fld>
             <a:endParaRPr kumimoji="1" lang="ja-JP" altLang="en-US"/>
           </a:p>
@@ -2039,7 +2039,7 @@
           <a:p>
             <a:fld id="{C284373C-AE3C-4775-A8C9-66950A6586CC}" type="datetimeFigureOut">
               <a:rPr kumimoji="1" lang="ja-JP" altLang="en-US" smtClean="0"/>
-              <a:t>2021/11/29</a:t>
+              <a:t>2022/1/20</a:t>
             </a:fld>
             <a:endParaRPr kumimoji="1" lang="ja-JP" altLang="en-US"/>
           </a:p>
@@ -2180,7 +2180,7 @@
           <a:p>
             <a:fld id="{C284373C-AE3C-4775-A8C9-66950A6586CC}" type="datetimeFigureOut">
               <a:rPr kumimoji="1" lang="ja-JP" altLang="en-US" smtClean="0"/>
-              <a:t>2021/11/29</a:t>
+              <a:t>2022/1/20</a:t>
             </a:fld>
             <a:endParaRPr kumimoji="1" lang="ja-JP" altLang="en-US"/>
           </a:p>
@@ -2293,7 +2293,7 @@
           <a:p>
             <a:fld id="{C284373C-AE3C-4775-A8C9-66950A6586CC}" type="datetimeFigureOut">
               <a:rPr kumimoji="1" lang="ja-JP" altLang="en-US" smtClean="0"/>
-              <a:t>2021/11/29</a:t>
+              <a:t>2022/1/20</a:t>
             </a:fld>
             <a:endParaRPr kumimoji="1" lang="ja-JP" altLang="en-US"/>
           </a:p>
@@ -2636,7 +2636,7 @@
           <a:p>
             <a:fld id="{C284373C-AE3C-4775-A8C9-66950A6586CC}" type="datetimeFigureOut">
               <a:rPr kumimoji="1" lang="ja-JP" altLang="en-US" smtClean="0"/>
-              <a:t>2021/11/29</a:t>
+              <a:t>2022/1/20</a:t>
             </a:fld>
             <a:endParaRPr kumimoji="1" lang="ja-JP" altLang="en-US"/>
           </a:p>
@@ -2924,7 +2924,7 @@
           <a:p>
             <a:fld id="{C284373C-AE3C-4775-A8C9-66950A6586CC}" type="datetimeFigureOut">
               <a:rPr kumimoji="1" lang="ja-JP" altLang="en-US" smtClean="0"/>
-              <a:t>2021/11/29</a:t>
+              <a:t>2022/1/20</a:t>
             </a:fld>
             <a:endParaRPr kumimoji="1" lang="ja-JP" altLang="en-US"/>
           </a:p>
@@ -3197,7 +3197,7 @@
           <a:p>
             <a:fld id="{C284373C-AE3C-4775-A8C9-66950A6586CC}" type="datetimeFigureOut">
               <a:rPr kumimoji="1" lang="ja-JP" altLang="en-US" smtClean="0"/>
-              <a:t>2021/11/29</a:t>
+              <a:t>2022/1/20</a:t>
             </a:fld>
             <a:endParaRPr kumimoji="1" lang="ja-JP" altLang="en-US"/>
           </a:p>
@@ -3839,7 +3839,7 @@
         </p:nvCxnSpPr>
         <p:spPr>
           <a:xfrm flipH="1">
-            <a:off x="3291348" y="2258141"/>
+            <a:off x="3291348" y="1850171"/>
             <a:ext cx="4006234" cy="0"/>
           </a:xfrm>
           <a:prstGeom prst="straightConnector1">
@@ -3884,7 +3884,7 @@
         </p:nvCxnSpPr>
         <p:spPr>
           <a:xfrm flipH="1">
-            <a:off x="9242295" y="4892003"/>
+            <a:off x="9242295" y="4772425"/>
             <a:ext cx="552026" cy="0"/>
           </a:xfrm>
           <a:prstGeom prst="straightConnector1">
@@ -3929,7 +3929,7 @@
         </p:nvCxnSpPr>
         <p:spPr>
           <a:xfrm flipH="1">
-            <a:off x="8602160" y="5232755"/>
+            <a:off x="8602160" y="5070973"/>
             <a:ext cx="1192159" cy="0"/>
           </a:xfrm>
           <a:prstGeom prst="straightConnector1">
@@ -4019,8 +4019,8 @@
         </p:nvCxnSpPr>
         <p:spPr>
           <a:xfrm flipV="1">
-            <a:off x="9537151" y="4506762"/>
-            <a:ext cx="0" cy="725993"/>
+            <a:off x="9537151" y="4506763"/>
+            <a:ext cx="0" cy="564210"/>
           </a:xfrm>
           <a:prstGeom prst="straightConnector1">
             <a:avLst/>
@@ -4065,8 +4065,8 @@
         </p:nvCxnSpPr>
         <p:spPr>
           <a:xfrm>
-            <a:off x="9125016" y="5033085"/>
-            <a:ext cx="0" cy="710796"/>
+            <a:off x="9125016" y="4877945"/>
+            <a:ext cx="0" cy="683052"/>
           </a:xfrm>
           <a:prstGeom prst="straightConnector1">
             <a:avLst/>
@@ -4268,7 +4268,7 @@
         </p:nvSpPr>
         <p:spPr>
           <a:xfrm>
-            <a:off x="9796159" y="4772898"/>
+            <a:off x="9796159" y="4653320"/>
             <a:ext cx="1008000" cy="558412"/>
           </a:xfrm>
           <a:prstGeom prst="rect">
@@ -4485,7 +4485,7 @@
         </p:nvCxnSpPr>
         <p:spPr>
           <a:xfrm>
-            <a:off x="1456681" y="4398378"/>
+            <a:off x="1456681" y="4299902"/>
             <a:ext cx="3605773" cy="0"/>
           </a:xfrm>
           <a:prstGeom prst="straightConnector1">
@@ -4680,7 +4680,7 @@
         </p:nvSpPr>
         <p:spPr>
           <a:xfrm>
-            <a:off x="148254" y="4317081"/>
+            <a:off x="148254" y="4218605"/>
             <a:ext cx="1313707" cy="161583"/>
           </a:xfrm>
           <a:prstGeom prst="rect">
@@ -4873,8 +4873,8 @@
         </p:nvCxnSpPr>
         <p:spPr>
           <a:xfrm flipV="1">
-            <a:off x="3976521" y="2657208"/>
-            <a:ext cx="0" cy="631962"/>
+            <a:off x="3976521" y="2249238"/>
+            <a:ext cx="0" cy="385772"/>
           </a:xfrm>
           <a:prstGeom prst="straightConnector1">
             <a:avLst/>
@@ -4918,7 +4918,7 @@
         </p:nvCxnSpPr>
         <p:spPr>
           <a:xfrm flipH="1">
-            <a:off x="3287791" y="2657208"/>
+            <a:off x="3287791" y="2249238"/>
             <a:ext cx="703970" cy="0"/>
           </a:xfrm>
           <a:prstGeom prst="straightConnector1">
@@ -4961,7 +4961,7 @@
         </p:nvSpPr>
         <p:spPr>
           <a:xfrm>
-            <a:off x="537138" y="5447589"/>
+            <a:off x="537138" y="5299875"/>
             <a:ext cx="916728" cy="161583"/>
           </a:xfrm>
           <a:prstGeom prst="rect">
@@ -5029,7 +5029,7 @@
         </p:nvSpPr>
         <p:spPr>
           <a:xfrm>
-            <a:off x="4706700" y="5996206"/>
+            <a:off x="4706700" y="5811723"/>
             <a:ext cx="786990" cy="161583"/>
           </a:xfrm>
           <a:prstGeom prst="rect">
@@ -5058,49 +5058,6 @@
           </a:p>
         </p:txBody>
       </p:sp>
-      <p:sp>
-        <p:nvSpPr>
-          <p:cNvPr id="287" name="テキスト ボックス 286">
-            <a:extLst>
-              <a:ext uri="{FF2B5EF4-FFF2-40B4-BE49-F238E27FC236}">
-                <a16:creationId xmlns:a16="http://schemas.microsoft.com/office/drawing/2014/main" id="{5BBEFF80-0DD6-4C49-B9D7-F8E170AD28D9}"/>
-              </a:ext>
-            </a:extLst>
-          </p:cNvPr>
-          <p:cNvSpPr txBox="1"/>
-          <p:nvPr/>
-        </p:nvSpPr>
-        <p:spPr>
-          <a:xfrm>
-            <a:off x="5996887" y="6198915"/>
-            <a:ext cx="1632713" cy="161583"/>
-          </a:xfrm>
-          <a:prstGeom prst="rect">
-            <a:avLst/>
-          </a:prstGeom>
-          <a:noFill/>
-        </p:spPr>
-        <p:txBody>
-          <a:bodyPr wrap="square" lIns="0" tIns="0" rIns="0" bIns="0" rtlCol="0">
-            <a:spAutoFit/>
-          </a:bodyPr>
-          <a:lstStyle/>
-          <a:p>
-            <a:pPr algn="ctr"/>
-            <a:r>
-              <a:rPr lang="en-US" altLang="ja-JP" sz="1050" dirty="0">
-                <a:latin typeface="メイリオ" panose="020B0604030504040204" pitchFamily="50" charset="-128"/>
-                <a:ea typeface="メイリオ" panose="020B0604030504040204" pitchFamily="50" charset="-128"/>
-              </a:rPr>
-              <a:t>FPGA/Cortex-M3 JTAG</a:t>
-            </a:r>
-            <a:endParaRPr kumimoji="1" lang="ja-JP" altLang="en-US" sz="1050" dirty="0">
-              <a:latin typeface="メイリオ" panose="020B0604030504040204" pitchFamily="50" charset="-128"/>
-              <a:ea typeface="メイリオ" panose="020B0604030504040204" pitchFamily="50" charset="-128"/>
-            </a:endParaRPr>
-          </a:p>
-        </p:txBody>
-      </p:sp>
       <p:cxnSp>
         <p:nvCxnSpPr>
           <p:cNvPr id="121" name="直線矢印コネクタ 120">
@@ -5117,7 +5074,7 @@
         </p:nvCxnSpPr>
         <p:spPr>
           <a:xfrm>
-            <a:off x="1456681" y="4107587"/>
+            <a:off x="1456681" y="3692586"/>
             <a:ext cx="3605773" cy="0"/>
           </a:xfrm>
           <a:prstGeom prst="straightConnector1">
@@ -5162,7 +5119,7 @@
         </p:nvCxnSpPr>
         <p:spPr>
           <a:xfrm flipH="1">
-            <a:off x="8602160" y="4582913"/>
+            <a:off x="8602160" y="4479419"/>
             <a:ext cx="404194" cy="0"/>
           </a:xfrm>
           <a:prstGeom prst="straightConnector1">
@@ -5205,8 +5162,8 @@
         </p:nvSpPr>
         <p:spPr>
           <a:xfrm>
-            <a:off x="9006353" y="4123098"/>
-            <a:ext cx="237325" cy="909987"/>
+            <a:off x="9006353" y="4080894"/>
+            <a:ext cx="237325" cy="797051"/>
           </a:xfrm>
           <a:prstGeom prst="rect">
             <a:avLst/>
@@ -5306,7 +5263,7 @@
         </p:nvCxnSpPr>
         <p:spPr>
           <a:xfrm flipH="1">
-            <a:off x="6031499" y="5743881"/>
+            <a:off x="6031499" y="5560997"/>
             <a:ext cx="3107781" cy="0"/>
           </a:xfrm>
           <a:prstGeom prst="straightConnector1">
@@ -5350,7 +5307,7 @@
         <p:spPr>
           <a:xfrm>
             <a:off x="7291181" y="283101"/>
-            <a:ext cx="1312817" cy="5231066"/>
+            <a:ext cx="1312817" cy="5080629"/>
           </a:xfrm>
           <a:prstGeom prst="rect">
             <a:avLst/>
@@ -5451,8 +5408,8 @@
         </p:nvSpPr>
         <p:spPr>
           <a:xfrm>
-            <a:off x="5062454" y="2824978"/>
-            <a:ext cx="975552" cy="3089671"/>
+            <a:off x="5062454" y="2490062"/>
+            <a:ext cx="975552" cy="3229062"/>
           </a:xfrm>
           <a:prstGeom prst="rect">
             <a:avLst/>
@@ -5524,7 +5481,7 @@
         </p:nvCxnSpPr>
         <p:spPr>
           <a:xfrm flipV="1">
-            <a:off x="2959393" y="5032006"/>
+            <a:off x="2959393" y="4884292"/>
             <a:ext cx="0" cy="244296"/>
           </a:xfrm>
           <a:prstGeom prst="straightConnector1">
@@ -5567,7 +5524,7 @@
         </p:nvSpPr>
         <p:spPr>
           <a:xfrm>
-            <a:off x="3033725" y="3335370"/>
+            <a:off x="3033725" y="2723414"/>
             <a:ext cx="1251227" cy="161583"/>
           </a:xfrm>
           <a:prstGeom prst="rect">
@@ -5609,7 +5566,7 @@
         </p:nvSpPr>
         <p:spPr>
           <a:xfrm>
-            <a:off x="2057474" y="3937969"/>
+            <a:off x="2057474" y="3522968"/>
             <a:ext cx="1251227" cy="161583"/>
           </a:xfrm>
           <a:prstGeom prst="rect">
@@ -5653,8 +5610,8 @@
         </p:nvCxnSpPr>
         <p:spPr>
           <a:xfrm flipV="1">
-            <a:off x="4536761" y="2476659"/>
-            <a:ext cx="0" cy="1045364"/>
+            <a:off x="4536761" y="2068689"/>
+            <a:ext cx="0" cy="841378"/>
           </a:xfrm>
           <a:prstGeom prst="straightConnector1">
             <a:avLst/>
@@ -5696,7 +5653,7 @@
         </p:nvSpPr>
         <p:spPr>
           <a:xfrm>
-            <a:off x="2062012" y="3546000"/>
+            <a:off x="2062012" y="2934044"/>
             <a:ext cx="594818" cy="288000"/>
           </a:xfrm>
           <a:prstGeom prst="roundRect">
@@ -5877,7 +5834,7 @@
         </p:nvCxnSpPr>
         <p:spPr>
           <a:xfrm>
-            <a:off x="1456681" y="5032006"/>
+            <a:off x="1456681" y="4884292"/>
             <a:ext cx="1502712" cy="0"/>
           </a:xfrm>
           <a:prstGeom prst="straightConnector1">
@@ -6354,7 +6311,7 @@
         </p:nvSpPr>
         <p:spPr>
           <a:xfrm>
-            <a:off x="2571348" y="2060141"/>
+            <a:off x="2571348" y="1652171"/>
             <a:ext cx="720000" cy="396000"/>
           </a:xfrm>
           <a:prstGeom prst="rect">
@@ -6418,7 +6375,7 @@
         </p:nvSpPr>
         <p:spPr>
           <a:xfrm>
-            <a:off x="2571348" y="2459208"/>
+            <a:off x="2571348" y="2051238"/>
             <a:ext cx="720000" cy="396000"/>
           </a:xfrm>
           <a:prstGeom prst="rect">
@@ -6468,7 +6425,7 @@
         </p:nvSpPr>
         <p:spPr>
           <a:xfrm>
-            <a:off x="3447406" y="2494194"/>
+            <a:off x="3447406" y="2086224"/>
             <a:ext cx="715617" cy="161583"/>
           </a:xfrm>
           <a:prstGeom prst="rect">
@@ -6512,7 +6469,7 @@
         </p:nvCxnSpPr>
         <p:spPr>
           <a:xfrm flipH="1">
-            <a:off x="4536934" y="2476658"/>
+            <a:off x="4536934" y="2068688"/>
             <a:ext cx="2756014" cy="0"/>
           </a:xfrm>
           <a:prstGeom prst="straightConnector1">
@@ -6557,8 +6514,8 @@
         </p:nvCxnSpPr>
         <p:spPr>
           <a:xfrm flipH="1">
-            <a:off x="3964610" y="3289170"/>
-            <a:ext cx="1108877" cy="0"/>
+            <a:off x="3964613" y="2635010"/>
+            <a:ext cx="1097841" cy="0"/>
           </a:xfrm>
           <a:prstGeom prst="straightConnector1">
             <a:avLst/>
@@ -6602,7 +6559,7 @@
         </p:nvCxnSpPr>
         <p:spPr>
           <a:xfrm flipH="1">
-            <a:off x="6036675" y="3043020"/>
+            <a:off x="6036675" y="2635050"/>
             <a:ext cx="1258136" cy="0"/>
           </a:xfrm>
           <a:prstGeom prst="straightConnector1">
@@ -6647,7 +6604,7 @@
         </p:nvCxnSpPr>
         <p:spPr>
           <a:xfrm flipH="1">
-            <a:off x="6039225" y="3540692"/>
+            <a:off x="6039225" y="3132722"/>
             <a:ext cx="1255586" cy="0"/>
           </a:xfrm>
           <a:prstGeom prst="straightConnector1">
@@ -6690,7 +6647,7 @@
         </p:nvSpPr>
         <p:spPr>
           <a:xfrm>
-            <a:off x="6120700" y="2872955"/>
+            <a:off x="6120700" y="2464985"/>
             <a:ext cx="715617" cy="153888"/>
           </a:xfrm>
           <a:prstGeom prst="rect">
@@ -6732,7 +6689,7 @@
         </p:nvSpPr>
         <p:spPr>
           <a:xfrm>
-            <a:off x="6120700" y="3354706"/>
+            <a:off x="6120700" y="2946736"/>
             <a:ext cx="715617" cy="153888"/>
           </a:xfrm>
           <a:prstGeom prst="rect">
@@ -6951,10 +6908,10 @@
       </p:sp>
       <p:cxnSp>
         <p:nvCxnSpPr>
-          <p:cNvPr id="163" name="直線矢印コネクタ 162">
-            <a:extLst>
-              <a:ext uri="{FF2B5EF4-FFF2-40B4-BE49-F238E27FC236}">
-                <a16:creationId xmlns:a16="http://schemas.microsoft.com/office/drawing/2014/main" id="{A11C8851-B05A-4CC3-A29A-DA9ADF423B88}"/>
+          <p:cNvPr id="170" name="直線矢印コネクタ 169">
+            <a:extLst>
+              <a:ext uri="{FF2B5EF4-FFF2-40B4-BE49-F238E27FC236}">
+                <a16:creationId xmlns:a16="http://schemas.microsoft.com/office/drawing/2014/main" id="{E8C11F8F-B841-4030-AB5C-D687F4F06BF2}"/>
               </a:ext>
             </a:extLst>
           </p:cNvPr>
@@ -6964,53 +6921,8 @@
           <p:nvPr/>
         </p:nvCxnSpPr>
         <p:spPr>
-          <a:xfrm flipH="1">
-            <a:off x="4141302" y="3042344"/>
-            <a:ext cx="921154" cy="0"/>
-          </a:xfrm>
-          <a:prstGeom prst="straightConnector1">
-            <a:avLst/>
-          </a:prstGeom>
-          <a:ln w="28575">
-            <a:solidFill>
-              <a:schemeClr val="tx1"/>
-            </a:solidFill>
-            <a:headEnd type="arrow" w="med" len="med"/>
-            <a:tailEnd type="none" w="med" len="med"/>
-          </a:ln>
-        </p:spPr>
-        <p:style>
-          <a:lnRef idx="1">
-            <a:schemeClr val="accent1"/>
-          </a:lnRef>
-          <a:fillRef idx="0">
-            <a:schemeClr val="accent1"/>
-          </a:fillRef>
-          <a:effectRef idx="0">
-            <a:schemeClr val="accent1"/>
-          </a:effectRef>
-          <a:fontRef idx="minor">
-            <a:schemeClr val="tx1"/>
-          </a:fontRef>
-        </p:style>
-      </p:cxnSp>
-      <p:cxnSp>
-        <p:nvCxnSpPr>
-          <p:cNvPr id="170" name="直線矢印コネクタ 169">
-            <a:extLst>
-              <a:ext uri="{FF2B5EF4-FFF2-40B4-BE49-F238E27FC236}">
-                <a16:creationId xmlns:a16="http://schemas.microsoft.com/office/drawing/2014/main" id="{E8C11F8F-B841-4030-AB5C-D687F4F06BF2}"/>
-              </a:ext>
-            </a:extLst>
-          </p:cNvPr>
-          <p:cNvCxnSpPr>
-            <a:cxnSpLocks/>
-          </p:cNvCxnSpPr>
-          <p:nvPr/>
-        </p:nvCxnSpPr>
-        <p:spPr>
           <a:xfrm>
-            <a:off x="1456681" y="2449791"/>
+            <a:off x="1456681" y="2041821"/>
             <a:ext cx="824639" cy="0"/>
           </a:xfrm>
           <a:prstGeom prst="straightConnector1">
@@ -7055,7 +6967,7 @@
         </p:nvCxnSpPr>
         <p:spPr>
           <a:xfrm>
-            <a:off x="2287540" y="2249072"/>
+            <a:off x="2287540" y="1841102"/>
             <a:ext cx="0" cy="417600"/>
           </a:xfrm>
           <a:prstGeom prst="straightConnector1">
@@ -7100,7 +7012,7 @@
         </p:nvCxnSpPr>
         <p:spPr>
           <a:xfrm flipH="1">
-            <a:off x="2287540" y="2258141"/>
+            <a:off x="2287540" y="1850171"/>
             <a:ext cx="283808" cy="0"/>
           </a:xfrm>
           <a:prstGeom prst="straightConnector1">
@@ -7145,7 +7057,7 @@
         </p:nvCxnSpPr>
         <p:spPr>
           <a:xfrm flipH="1" flipV="1">
-            <a:off x="2296302" y="2657208"/>
+            <a:off x="2296302" y="2249238"/>
             <a:ext cx="275046" cy="0"/>
           </a:xfrm>
           <a:prstGeom prst="straightConnector1">
@@ -7174,66 +7086,21 @@
           </a:fontRef>
         </p:style>
       </p:cxnSp>
-      <p:cxnSp>
-        <p:nvCxnSpPr>
-          <p:cNvPr id="320" name="直線矢印コネクタ 319">
-            <a:extLst>
-              <a:ext uri="{FF2B5EF4-FFF2-40B4-BE49-F238E27FC236}">
-                <a16:creationId xmlns:a16="http://schemas.microsoft.com/office/drawing/2014/main" id="{5AFD9B0A-ADF7-40FC-B0BB-0FBBA0A886CC}"/>
-              </a:ext>
-            </a:extLst>
-          </p:cNvPr>
-          <p:cNvCxnSpPr>
-            <a:cxnSpLocks/>
-          </p:cNvCxnSpPr>
-          <p:nvPr/>
-        </p:nvCxnSpPr>
+      <p:sp>
+        <p:nvSpPr>
+          <p:cNvPr id="352" name="テキスト ボックス 351">
+            <a:extLst>
+              <a:ext uri="{FF2B5EF4-FFF2-40B4-BE49-F238E27FC236}">
+                <a16:creationId xmlns:a16="http://schemas.microsoft.com/office/drawing/2014/main" id="{886CEDB6-CC3C-410D-9B76-10B2AB2FA841}"/>
+              </a:ext>
+            </a:extLst>
+          </p:cNvPr>
+          <p:cNvSpPr txBox="1"/>
+          <p:nvPr/>
+        </p:nvSpPr>
         <p:spPr>
           <a:xfrm>
-            <a:off x="4147820" y="1904893"/>
-            <a:ext cx="0" cy="1152691"/>
-          </a:xfrm>
-          <a:prstGeom prst="straightConnector1">
-            <a:avLst/>
-          </a:prstGeom>
-          <a:ln w="28575">
-            <a:solidFill>
-              <a:schemeClr val="tx1"/>
-            </a:solidFill>
-            <a:headEnd type="diamond" w="med" len="med"/>
-            <a:tailEnd type="none" w="med" len="med"/>
-          </a:ln>
-        </p:spPr>
-        <p:style>
-          <a:lnRef idx="1">
-            <a:schemeClr val="accent1"/>
-          </a:lnRef>
-          <a:fillRef idx="0">
-            <a:schemeClr val="accent1"/>
-          </a:fillRef>
-          <a:effectRef idx="0">
-            <a:schemeClr val="accent1"/>
-          </a:effectRef>
-          <a:fontRef idx="minor">
-            <a:schemeClr val="tx1"/>
-          </a:fontRef>
-        </p:style>
-      </p:cxnSp>
-      <p:sp>
-        <p:nvSpPr>
-          <p:cNvPr id="352" name="テキスト ボックス 351">
-            <a:extLst>
-              <a:ext uri="{FF2B5EF4-FFF2-40B4-BE49-F238E27FC236}">
-                <a16:creationId xmlns:a16="http://schemas.microsoft.com/office/drawing/2014/main" id="{886CEDB6-CC3C-410D-9B76-10B2AB2FA841}"/>
-              </a:ext>
-            </a:extLst>
-          </p:cNvPr>
-          <p:cNvSpPr txBox="1"/>
-          <p:nvPr/>
-        </p:nvSpPr>
-        <p:spPr>
-          <a:xfrm>
-            <a:off x="148254" y="2345131"/>
+            <a:off x="148254" y="1937161"/>
             <a:ext cx="1132852" cy="161583"/>
           </a:xfrm>
           <a:prstGeom prst="rect">
@@ -7280,7 +7147,7 @@
         </p:nvCxnSpPr>
         <p:spPr>
           <a:xfrm>
-            <a:off x="8602160" y="5384444"/>
+            <a:off x="8602160" y="5236730"/>
             <a:ext cx="520774" cy="0"/>
           </a:xfrm>
           <a:prstGeom prst="straightConnector1">
@@ -7323,7 +7190,7 @@
         </p:nvSpPr>
         <p:spPr>
           <a:xfrm>
-            <a:off x="3917126" y="4525480"/>
+            <a:off x="3917126" y="4427004"/>
             <a:ext cx="1251227" cy="161583"/>
           </a:xfrm>
           <a:prstGeom prst="rect">
@@ -7455,7 +7322,7 @@
         </p:nvCxnSpPr>
         <p:spPr>
           <a:xfrm>
-            <a:off x="6468049" y="3044268"/>
+            <a:off x="6468049" y="2636298"/>
             <a:ext cx="0" cy="198922"/>
           </a:xfrm>
           <a:prstGeom prst="straightConnector1">
@@ -7500,7 +7367,7 @@
         </p:nvCxnSpPr>
         <p:spPr>
           <a:xfrm>
-            <a:off x="6038006" y="3243190"/>
+            <a:off x="6038006" y="2835220"/>
             <a:ext cx="430043" cy="0"/>
           </a:xfrm>
           <a:prstGeom prst="straightConnector1">
@@ -7545,7 +7412,7 @@
         </p:nvCxnSpPr>
         <p:spPr>
           <a:xfrm>
-            <a:off x="6466718" y="3544787"/>
+            <a:off x="6466718" y="3136817"/>
             <a:ext cx="0" cy="198922"/>
           </a:xfrm>
           <a:prstGeom prst="straightConnector1">
@@ -7590,7 +7457,7 @@
         </p:nvCxnSpPr>
         <p:spPr>
           <a:xfrm>
-            <a:off x="6036675" y="3743709"/>
+            <a:off x="6036675" y="3335739"/>
             <a:ext cx="430043" cy="0"/>
           </a:xfrm>
           <a:prstGeom prst="straightConnector1">
@@ -7633,7 +7500,7 @@
         </p:nvSpPr>
         <p:spPr>
           <a:xfrm>
-            <a:off x="6075313" y="5564357"/>
+            <a:off x="6075313" y="5381473"/>
             <a:ext cx="1093710" cy="161583"/>
           </a:xfrm>
           <a:prstGeom prst="rect">
@@ -7677,7 +7544,7 @@
         </p:nvCxnSpPr>
         <p:spPr>
           <a:xfrm>
-            <a:off x="1456681" y="4691088"/>
+            <a:off x="1456681" y="4592612"/>
             <a:ext cx="3605773" cy="0"/>
           </a:xfrm>
           <a:prstGeom prst="straightConnector1">
@@ -7720,7 +7587,7 @@
         </p:nvSpPr>
         <p:spPr>
           <a:xfrm>
-            <a:off x="537138" y="4976571"/>
+            <a:off x="537138" y="4828857"/>
             <a:ext cx="916728" cy="161583"/>
           </a:xfrm>
           <a:prstGeom prst="rect">
@@ -7770,7 +7637,7 @@
         </p:nvCxnSpPr>
         <p:spPr>
           <a:xfrm>
-            <a:off x="1456681" y="6201991"/>
+            <a:off x="1456681" y="6017508"/>
             <a:ext cx="4090917" cy="0"/>
           </a:xfrm>
           <a:prstGeom prst="straightConnector1">
@@ -7816,8 +7683,8 @@
         </p:nvCxnSpPr>
         <p:spPr>
           <a:xfrm flipH="1">
-            <a:off x="5547598" y="5914649"/>
-            <a:ext cx="2632" cy="287342"/>
+            <a:off x="5547598" y="5719124"/>
+            <a:ext cx="2632" cy="298384"/>
           </a:xfrm>
           <a:prstGeom prst="straightConnector1">
             <a:avLst/>
@@ -7861,7 +7728,7 @@
         </p:nvCxnSpPr>
         <p:spPr>
           <a:xfrm>
-            <a:off x="1456681" y="6384304"/>
+            <a:off x="1456681" y="6352220"/>
             <a:ext cx="6490908" cy="0"/>
           </a:xfrm>
           <a:prstGeom prst="straightConnector1">
@@ -7901,13 +7768,14 @@
           </p:cNvPr>
           <p:cNvCxnSpPr>
             <a:cxnSpLocks/>
+            <a:stCxn id="23" idx="2"/>
           </p:cNvCxnSpPr>
           <p:nvPr/>
         </p:nvCxnSpPr>
         <p:spPr>
           <a:xfrm>
-            <a:off x="7947589" y="5514167"/>
-            <a:ext cx="0" cy="870137"/>
+            <a:off x="7947590" y="5363730"/>
+            <a:ext cx="0" cy="988490"/>
           </a:xfrm>
           <a:prstGeom prst="straightConnector1">
             <a:avLst/>
@@ -7949,7 +7817,7 @@
         </p:nvSpPr>
         <p:spPr>
           <a:xfrm>
-            <a:off x="155874" y="6201022"/>
+            <a:off x="155874" y="5925097"/>
             <a:ext cx="1313707" cy="161583"/>
           </a:xfrm>
           <a:prstGeom prst="rect">
@@ -7968,7 +7836,7 @@
                 <a:latin typeface="メイリオ" panose="020B0604030504040204" pitchFamily="50" charset="-128"/>
                 <a:ea typeface="メイリオ" panose="020B0604030504040204" pitchFamily="50" charset="-128"/>
               </a:rPr>
-              <a:t>Debug Signals</a:t>
+              <a:t>PIC Debug Signals</a:t>
             </a:r>
             <a:endParaRPr kumimoji="1" lang="ja-JP" altLang="en-US" sz="1050" dirty="0">
               <a:latin typeface="メイリオ" panose="020B0604030504040204" pitchFamily="50" charset="-128"/>
@@ -8064,51 +7932,6 @@
           </a:p>
         </p:txBody>
       </p:sp>
-      <p:cxnSp>
-        <p:nvCxnSpPr>
-          <p:cNvPr id="177" name="直線矢印コネクタ 176">
-            <a:extLst>
-              <a:ext uri="{FF2B5EF4-FFF2-40B4-BE49-F238E27FC236}">
-                <a16:creationId xmlns:a16="http://schemas.microsoft.com/office/drawing/2014/main" id="{779815BD-3BCA-4E77-964C-485592C1FEFE}"/>
-              </a:ext>
-            </a:extLst>
-          </p:cNvPr>
-          <p:cNvCxnSpPr>
-            <a:cxnSpLocks/>
-          </p:cNvCxnSpPr>
-          <p:nvPr/>
-        </p:nvCxnSpPr>
-        <p:spPr>
-          <a:xfrm flipH="1">
-            <a:off x="1456681" y="1897273"/>
-            <a:ext cx="5841919" cy="0"/>
-          </a:xfrm>
-          <a:prstGeom prst="straightConnector1">
-            <a:avLst/>
-          </a:prstGeom>
-          <a:ln w="28575">
-            <a:solidFill>
-              <a:schemeClr val="tx1"/>
-            </a:solidFill>
-            <a:headEnd type="arrow" w="med" len="med"/>
-            <a:tailEnd type="arrow" w="med" len="med"/>
-          </a:ln>
-        </p:spPr>
-        <p:style>
-          <a:lnRef idx="1">
-            <a:schemeClr val="accent1"/>
-          </a:lnRef>
-          <a:fillRef idx="0">
-            <a:schemeClr val="accent1"/>
-          </a:fillRef>
-          <a:effectRef idx="0">
-            <a:schemeClr val="accent1"/>
-          </a:effectRef>
-          <a:fontRef idx="minor">
-            <a:schemeClr val="tx1"/>
-          </a:fontRef>
-        </p:style>
-      </p:cxnSp>
       <p:cxnSp>
         <p:nvCxnSpPr>
           <p:cNvPr id="178" name="直線矢印コネクタ 177">
@@ -8267,8 +8090,8 @@
         </p:nvSpPr>
         <p:spPr>
           <a:xfrm>
-            <a:off x="4902445" y="1666863"/>
-            <a:ext cx="1912297" cy="261610"/>
+            <a:off x="4916306" y="6110897"/>
+            <a:ext cx="2975444" cy="261610"/>
           </a:xfrm>
           <a:prstGeom prst="rect">
             <a:avLst/>
@@ -8286,7 +8109,7 @@
                 <a:latin typeface="メイリオ" panose="020B0604030504040204" pitchFamily="50" charset="-128"/>
                 <a:ea typeface="メイリオ" panose="020B0604030504040204" pitchFamily="50" charset="-128"/>
               </a:rPr>
-              <a:t>FPGA User IO Group3</a:t>
+              <a:t>FPGA User IO Group4 / Cortex-M3 JTAG</a:t>
             </a:r>
             <a:endParaRPr kumimoji="1" lang="ja-JP" altLang="en-US" sz="1100" i="1" dirty="0">
               <a:latin typeface="メイリオ" panose="020B0604030504040204" pitchFamily="50" charset="-128"/>
@@ -8437,70 +8260,19 @@
       </p:sp>
       <p:sp>
         <p:nvSpPr>
-          <p:cNvPr id="197" name="テキスト ボックス 196">
-            <a:extLst>
-              <a:ext uri="{FF2B5EF4-FFF2-40B4-BE49-F238E27FC236}">
-                <a16:creationId xmlns:a16="http://schemas.microsoft.com/office/drawing/2014/main" id="{6912BBD3-E545-479A-8F30-58C0B5E80BC2}"/>
-              </a:ext>
-            </a:extLst>
-          </p:cNvPr>
-          <p:cNvSpPr txBox="1"/>
+          <p:cNvPr id="200" name="四角形: 角を丸くする 199">
+            <a:extLst>
+              <a:ext uri="{FF2B5EF4-FFF2-40B4-BE49-F238E27FC236}">
+                <a16:creationId xmlns:a16="http://schemas.microsoft.com/office/drawing/2014/main" id="{BCD440C1-CFB3-4A85-838B-219B0D8B4719}"/>
+              </a:ext>
+            </a:extLst>
+          </p:cNvPr>
+          <p:cNvSpPr/>
           <p:nvPr/>
         </p:nvSpPr>
         <p:spPr>
           <a:xfrm>
-            <a:off x="148254" y="1722440"/>
-            <a:ext cx="1301993" cy="300082"/>
-          </a:xfrm>
-          <a:prstGeom prst="rect">
-            <a:avLst/>
-          </a:prstGeom>
-          <a:noFill/>
-        </p:spPr>
-        <p:txBody>
-          <a:bodyPr wrap="square" lIns="0" tIns="0" rIns="0" bIns="0" rtlCol="0">
-            <a:spAutoFit/>
-          </a:bodyPr>
-          <a:lstStyle/>
-          <a:p>
-            <a:r>
-              <a:rPr kumimoji="1" lang="en-US" altLang="ja-JP" sz="1050" dirty="0">
-                <a:latin typeface="メイリオ" panose="020B0604030504040204" pitchFamily="50" charset="-128"/>
-                <a:ea typeface="メイリオ" panose="020B0604030504040204" pitchFamily="50" charset="-128"/>
-              </a:rPr>
-              <a:t>User IO Group 3</a:t>
-            </a:r>
-          </a:p>
-          <a:p>
-            <a:r>
-              <a:rPr lang="en-US" altLang="ja-JP" sz="900" b="1" i="1" dirty="0">
-                <a:latin typeface="メイリオ" panose="020B0604030504040204" pitchFamily="50" charset="-128"/>
-                <a:ea typeface="メイリオ" panose="020B0604030504040204" pitchFamily="50" charset="-128"/>
-              </a:rPr>
-              <a:t>signal x 4</a:t>
-            </a:r>
-            <a:endParaRPr kumimoji="1" lang="ja-JP" altLang="en-US" sz="900" b="1" i="1" dirty="0">
-              <a:latin typeface="メイリオ" panose="020B0604030504040204" pitchFamily="50" charset="-128"/>
-              <a:ea typeface="メイリオ" panose="020B0604030504040204" pitchFamily="50" charset="-128"/>
-            </a:endParaRPr>
-          </a:p>
-        </p:txBody>
-      </p:sp>
-      <p:sp>
-        <p:nvSpPr>
-          <p:cNvPr id="200" name="四角形: 角を丸くする 199">
-            <a:extLst>
-              <a:ext uri="{FF2B5EF4-FFF2-40B4-BE49-F238E27FC236}">
-                <a16:creationId xmlns:a16="http://schemas.microsoft.com/office/drawing/2014/main" id="{BCD440C1-CFB3-4A85-838B-219B0D8B4719}"/>
-              </a:ext>
-            </a:extLst>
-          </p:cNvPr>
-          <p:cNvSpPr/>
-          <p:nvPr/>
-        </p:nvSpPr>
-        <p:spPr>
-          <a:xfrm>
-            <a:off x="2062012" y="3205549"/>
+            <a:off x="2062012" y="2593593"/>
             <a:ext cx="594818" cy="288000"/>
           </a:xfrm>
           <a:prstGeom prst="roundRect">
@@ -8588,8 +8360,8 @@
         </p:nvCxnSpPr>
         <p:spPr>
           <a:xfrm flipV="1">
-            <a:off x="4700321" y="2691284"/>
-            <a:ext cx="0" cy="1416303"/>
+            <a:off x="4700321" y="2294432"/>
+            <a:ext cx="0" cy="1398154"/>
           </a:xfrm>
           <a:prstGeom prst="straightConnector1">
             <a:avLst/>
@@ -8633,7 +8405,7 @@
         </p:nvCxnSpPr>
         <p:spPr>
           <a:xfrm flipH="1">
-            <a:off x="4692701" y="2692634"/>
+            <a:off x="4692701" y="2284664"/>
             <a:ext cx="2604882" cy="0"/>
           </a:xfrm>
           <a:prstGeom prst="straightConnector1">
@@ -8676,7 +8448,7 @@
         </p:nvSpPr>
         <p:spPr>
           <a:xfrm>
-            <a:off x="2165256" y="5150982"/>
+            <a:off x="2165256" y="5003268"/>
             <a:ext cx="645051" cy="767285"/>
           </a:xfrm>
           <a:prstGeom prst="rect">
@@ -8742,7 +8514,7 @@
         </p:nvCxnSpPr>
         <p:spPr>
           <a:xfrm flipH="1">
-            <a:off x="1456681" y="5282305"/>
+            <a:off x="1456681" y="5134591"/>
             <a:ext cx="720029" cy="0"/>
           </a:xfrm>
           <a:prstGeom prst="straightConnector1">
@@ -8787,7 +8559,7 @@
         </p:nvCxnSpPr>
         <p:spPr>
           <a:xfrm flipH="1">
-            <a:off x="1456681" y="5784804"/>
+            <a:off x="1456681" y="5637090"/>
             <a:ext cx="708575" cy="0"/>
           </a:xfrm>
           <a:prstGeom prst="straightConnector1">
@@ -8832,7 +8604,7 @@
         </p:nvCxnSpPr>
         <p:spPr>
           <a:xfrm flipH="1">
-            <a:off x="2804011" y="5284183"/>
+            <a:off x="2804011" y="5136469"/>
             <a:ext cx="390390" cy="0"/>
           </a:xfrm>
           <a:prstGeom prst="straightConnector1">
@@ -8877,7 +8649,7 @@
         </p:nvCxnSpPr>
         <p:spPr>
           <a:xfrm flipH="1">
-            <a:off x="2804066" y="5449638"/>
+            <a:off x="2804066" y="5301924"/>
             <a:ext cx="390390" cy="0"/>
           </a:xfrm>
           <a:prstGeom prst="straightConnector1">
@@ -8922,7 +8694,7 @@
         </p:nvCxnSpPr>
         <p:spPr>
           <a:xfrm flipH="1">
-            <a:off x="2803956" y="5615163"/>
+            <a:off x="2803956" y="5467449"/>
             <a:ext cx="390390" cy="0"/>
           </a:xfrm>
           <a:prstGeom prst="straightConnector1">
@@ -8967,7 +8739,7 @@
         </p:nvCxnSpPr>
         <p:spPr>
           <a:xfrm flipH="1">
-            <a:off x="2804011" y="5780618"/>
+            <a:off x="2804011" y="5632904"/>
             <a:ext cx="390390" cy="0"/>
           </a:xfrm>
           <a:prstGeom prst="straightConnector1">
@@ -9010,7 +8782,7 @@
         </p:nvSpPr>
         <p:spPr>
           <a:xfrm>
-            <a:off x="3217025" y="5220508"/>
+            <a:off x="3217025" y="5072794"/>
             <a:ext cx="406927" cy="646331"/>
           </a:xfrm>
           <a:prstGeom prst="rect">
@@ -9168,7 +8940,7 @@
         </p:nvCxnSpPr>
         <p:spPr>
           <a:xfrm>
-            <a:off x="2660327" y="3349549"/>
+            <a:off x="2660327" y="2737593"/>
             <a:ext cx="276000" cy="0"/>
           </a:xfrm>
           <a:prstGeom prst="straightConnector1">
@@ -9213,7 +8985,7 @@
         </p:nvCxnSpPr>
         <p:spPr>
           <a:xfrm>
-            <a:off x="2660327" y="3690000"/>
+            <a:off x="2660327" y="3078044"/>
             <a:ext cx="276000" cy="0"/>
           </a:xfrm>
           <a:prstGeom prst="straightConnector1">
@@ -9258,7 +9030,7 @@
         </p:nvCxnSpPr>
         <p:spPr>
           <a:xfrm>
-            <a:off x="2936327" y="3338807"/>
+            <a:off x="2936327" y="2726851"/>
             <a:ext cx="0" cy="351193"/>
           </a:xfrm>
           <a:prstGeom prst="straightConnector1">
@@ -9303,7 +9075,7 @@
         </p:nvCxnSpPr>
         <p:spPr>
           <a:xfrm flipH="1">
-            <a:off x="2935411" y="3522023"/>
+            <a:off x="2935411" y="2910067"/>
             <a:ext cx="2138074" cy="0"/>
           </a:xfrm>
           <a:prstGeom prst="straightConnector1">
@@ -9346,7 +9118,7 @@
         </p:nvSpPr>
         <p:spPr>
           <a:xfrm>
-            <a:off x="148254" y="4012333"/>
+            <a:off x="148254" y="3597332"/>
             <a:ext cx="1313707" cy="161583"/>
           </a:xfrm>
           <a:prstGeom prst="rect">
@@ -9464,7 +9236,7 @@
         </p:nvSpPr>
         <p:spPr>
           <a:xfrm>
-            <a:off x="145393" y="4614597"/>
+            <a:off x="145393" y="4516121"/>
             <a:ext cx="1251227" cy="161583"/>
           </a:xfrm>
           <a:prstGeom prst="rect">
@@ -9506,7 +9278,7 @@
         </p:nvSpPr>
         <p:spPr>
           <a:xfrm rot="16200000">
-            <a:off x="910649" y="3028649"/>
+            <a:off x="910649" y="2613651"/>
             <a:ext cx="1903510" cy="223138"/>
           </a:xfrm>
           <a:prstGeom prst="rect">
@@ -9531,6 +9303,154 @@
               <a:latin typeface="Meiryo UI" panose="020B0604030504040204" pitchFamily="50" charset="-128"/>
               <a:ea typeface="Meiryo UI" panose="020B0604030504040204" pitchFamily="50" charset="-128"/>
             </a:endParaRPr>
+          </a:p>
+        </p:txBody>
+      </p:sp>
+      <p:sp>
+        <p:nvSpPr>
+          <p:cNvPr id="120" name="テキスト ボックス 119">
+            <a:extLst>
+              <a:ext uri="{FF2B5EF4-FFF2-40B4-BE49-F238E27FC236}">
+                <a16:creationId xmlns:a16="http://schemas.microsoft.com/office/drawing/2014/main" id="{790D3557-EB0F-406F-93B7-35E97AEB1078}"/>
+              </a:ext>
+            </a:extLst>
+          </p:cNvPr>
+          <p:cNvSpPr txBox="1"/>
+          <p:nvPr/>
+        </p:nvSpPr>
+        <p:spPr>
+          <a:xfrm>
+            <a:off x="152940" y="6222973"/>
+            <a:ext cx="1301993" cy="300082"/>
+          </a:xfrm>
+          <a:prstGeom prst="rect">
+            <a:avLst/>
+          </a:prstGeom>
+          <a:noFill/>
+        </p:spPr>
+        <p:txBody>
+          <a:bodyPr wrap="square" lIns="0" tIns="0" rIns="0" bIns="0" rtlCol="0">
+            <a:spAutoFit/>
+          </a:bodyPr>
+          <a:lstStyle/>
+          <a:p>
+            <a:r>
+              <a:rPr kumimoji="1" lang="en-US" altLang="ja-JP" sz="1050" dirty="0">
+                <a:latin typeface="メイリオ" panose="020B0604030504040204" pitchFamily="50" charset="-128"/>
+                <a:ea typeface="メイリオ" panose="020B0604030504040204" pitchFamily="50" charset="-128"/>
+              </a:rPr>
+              <a:t>User IO Group 4</a:t>
+            </a:r>
+          </a:p>
+          <a:p>
+            <a:r>
+              <a:rPr lang="en-US" altLang="ja-JP" sz="900" b="1" i="1" dirty="0">
+                <a:latin typeface="メイリオ" panose="020B0604030504040204" pitchFamily="50" charset="-128"/>
+                <a:ea typeface="メイリオ" panose="020B0604030504040204" pitchFamily="50" charset="-128"/>
+              </a:rPr>
+              <a:t>signal x 6 (3.3V IO)</a:t>
+            </a:r>
+            <a:endParaRPr kumimoji="1" lang="ja-JP" altLang="en-US" sz="900" b="1" i="1" dirty="0">
+              <a:latin typeface="メイリオ" panose="020B0604030504040204" pitchFamily="50" charset="-128"/>
+              <a:ea typeface="メイリオ" panose="020B0604030504040204" pitchFamily="50" charset="-128"/>
+            </a:endParaRPr>
+          </a:p>
+        </p:txBody>
+      </p:sp>
+      <p:cxnSp>
+        <p:nvCxnSpPr>
+          <p:cNvPr id="130" name="直線矢印コネクタ 129">
+            <a:extLst>
+              <a:ext uri="{FF2B5EF4-FFF2-40B4-BE49-F238E27FC236}">
+                <a16:creationId xmlns:a16="http://schemas.microsoft.com/office/drawing/2014/main" id="{E1FDEE6B-170E-4CDF-AC33-505B20071AAF}"/>
+              </a:ext>
+            </a:extLst>
+          </p:cNvPr>
+          <p:cNvCxnSpPr>
+            <a:cxnSpLocks/>
+          </p:cNvCxnSpPr>
+          <p:nvPr/>
+        </p:nvCxnSpPr>
+        <p:spPr>
+          <a:xfrm flipH="1">
+            <a:off x="1461363" y="3938705"/>
+            <a:ext cx="3601091" cy="0"/>
+          </a:xfrm>
+          <a:prstGeom prst="straightConnector1">
+            <a:avLst/>
+          </a:prstGeom>
+          <a:ln w="28575">
+            <a:solidFill>
+              <a:schemeClr val="tx1"/>
+            </a:solidFill>
+            <a:headEnd type="arrow" w="med" len="med"/>
+            <a:tailEnd type="arrow" w="med" len="med"/>
+          </a:ln>
+        </p:spPr>
+        <p:style>
+          <a:lnRef idx="1">
+            <a:schemeClr val="accent1"/>
+          </a:lnRef>
+          <a:fillRef idx="0">
+            <a:schemeClr val="accent1"/>
+          </a:fillRef>
+          <a:effectRef idx="0">
+            <a:schemeClr val="accent1"/>
+          </a:effectRef>
+          <a:fontRef idx="minor">
+            <a:schemeClr val="tx1"/>
+          </a:fontRef>
+        </p:style>
+      </p:cxnSp>
+      <p:sp>
+        <p:nvSpPr>
+          <p:cNvPr id="131" name="テキスト ボックス 130">
+            <a:extLst>
+              <a:ext uri="{FF2B5EF4-FFF2-40B4-BE49-F238E27FC236}">
+                <a16:creationId xmlns:a16="http://schemas.microsoft.com/office/drawing/2014/main" id="{66231115-6811-4834-BAEC-90E3A22F8082}"/>
+              </a:ext>
+            </a:extLst>
+          </p:cNvPr>
+          <p:cNvSpPr txBox="1"/>
+          <p:nvPr/>
+        </p:nvSpPr>
+        <p:spPr>
+          <a:xfrm>
+            <a:off x="152936" y="3819031"/>
+            <a:ext cx="1301993" cy="273152"/>
+          </a:xfrm>
+          <a:prstGeom prst="rect">
+            <a:avLst/>
+          </a:prstGeom>
+          <a:noFill/>
+        </p:spPr>
+        <p:txBody>
+          <a:bodyPr wrap="square" lIns="0" tIns="0" rIns="0" bIns="0" rtlCol="0">
+            <a:spAutoFit/>
+          </a:bodyPr>
+          <a:lstStyle/>
+          <a:p>
+            <a:r>
+              <a:rPr kumimoji="1" lang="en-US" altLang="ja-JP" sz="1050" dirty="0">
+                <a:latin typeface="メイリオ" panose="020B0604030504040204" pitchFamily="50" charset="-128"/>
+                <a:ea typeface="メイリオ" panose="020B0604030504040204" pitchFamily="50" charset="-128"/>
+              </a:rPr>
+              <a:t>User IO Group 3</a:t>
+            </a:r>
+          </a:p>
+          <a:p>
+            <a:pPr>
+              <a:lnSpc>
+                <a:spcPts val="800"/>
+              </a:lnSpc>
+            </a:pPr>
+            <a:r>
+              <a:rPr lang="en-US" altLang="ja-JP" sz="900" b="1" i="1" dirty="0">
+                <a:latin typeface="メイリオ" panose="020B0604030504040204" pitchFamily="50" charset="-128"/>
+                <a:ea typeface="メイリオ" panose="020B0604030504040204" pitchFamily="50" charset="-128"/>
+              </a:rPr>
+              <a:t>signal x 3 (3.3V IO)</a:t>
+            </a:r>
           </a:p>
         </p:txBody>
       </p:sp>

--- a/images/BlockDiagram.pptx
+++ b/images/BlockDiagram.pptx
@@ -259,7 +259,7 @@
           <a:p>
             <a:fld id="{C284373C-AE3C-4775-A8C9-66950A6586CC}" type="datetimeFigureOut">
               <a:rPr kumimoji="1" lang="ja-JP" altLang="en-US" smtClean="0"/>
-              <a:t>2022/1/20</a:t>
+              <a:t>2022/8/11</a:t>
             </a:fld>
             <a:endParaRPr kumimoji="1" lang="ja-JP" altLang="en-US"/>
           </a:p>
@@ -489,7 +489,7 @@
           <a:p>
             <a:fld id="{C284373C-AE3C-4775-A8C9-66950A6586CC}" type="datetimeFigureOut">
               <a:rPr kumimoji="1" lang="ja-JP" altLang="en-US" smtClean="0"/>
-              <a:t>2022/1/20</a:t>
+              <a:t>2022/8/11</a:t>
             </a:fld>
             <a:endParaRPr kumimoji="1" lang="ja-JP" altLang="en-US"/>
           </a:p>
@@ -729,7 +729,7 @@
           <a:p>
             <a:fld id="{C284373C-AE3C-4775-A8C9-66950A6586CC}" type="datetimeFigureOut">
               <a:rPr kumimoji="1" lang="ja-JP" altLang="en-US" smtClean="0"/>
-              <a:t>2022/1/20</a:t>
+              <a:t>2022/8/11</a:t>
             </a:fld>
             <a:endParaRPr kumimoji="1" lang="ja-JP" altLang="en-US"/>
           </a:p>
@@ -959,7 +959,7 @@
           <a:p>
             <a:fld id="{C284373C-AE3C-4775-A8C9-66950A6586CC}" type="datetimeFigureOut">
               <a:rPr kumimoji="1" lang="ja-JP" altLang="en-US" smtClean="0"/>
-              <a:t>2022/1/20</a:t>
+              <a:t>2022/8/11</a:t>
             </a:fld>
             <a:endParaRPr kumimoji="1" lang="ja-JP" altLang="en-US"/>
           </a:p>
@@ -1234,7 +1234,7 @@
           <a:p>
             <a:fld id="{C284373C-AE3C-4775-A8C9-66950A6586CC}" type="datetimeFigureOut">
               <a:rPr kumimoji="1" lang="ja-JP" altLang="en-US" smtClean="0"/>
-              <a:t>2022/1/20</a:t>
+              <a:t>2022/8/11</a:t>
             </a:fld>
             <a:endParaRPr kumimoji="1" lang="ja-JP" altLang="en-US"/>
           </a:p>
@@ -1563,7 +1563,7 @@
           <a:p>
             <a:fld id="{C284373C-AE3C-4775-A8C9-66950A6586CC}" type="datetimeFigureOut">
               <a:rPr kumimoji="1" lang="ja-JP" altLang="en-US" smtClean="0"/>
-              <a:t>2022/1/20</a:t>
+              <a:t>2022/8/11</a:t>
             </a:fld>
             <a:endParaRPr kumimoji="1" lang="ja-JP" altLang="en-US"/>
           </a:p>
@@ -2039,7 +2039,7 @@
           <a:p>
             <a:fld id="{C284373C-AE3C-4775-A8C9-66950A6586CC}" type="datetimeFigureOut">
               <a:rPr kumimoji="1" lang="ja-JP" altLang="en-US" smtClean="0"/>
-              <a:t>2022/1/20</a:t>
+              <a:t>2022/8/11</a:t>
             </a:fld>
             <a:endParaRPr kumimoji="1" lang="ja-JP" altLang="en-US"/>
           </a:p>
@@ -2180,7 +2180,7 @@
           <a:p>
             <a:fld id="{C284373C-AE3C-4775-A8C9-66950A6586CC}" type="datetimeFigureOut">
               <a:rPr kumimoji="1" lang="ja-JP" altLang="en-US" smtClean="0"/>
-              <a:t>2022/1/20</a:t>
+              <a:t>2022/8/11</a:t>
             </a:fld>
             <a:endParaRPr kumimoji="1" lang="ja-JP" altLang="en-US"/>
           </a:p>
@@ -2293,7 +2293,7 @@
           <a:p>
             <a:fld id="{C284373C-AE3C-4775-A8C9-66950A6586CC}" type="datetimeFigureOut">
               <a:rPr kumimoji="1" lang="ja-JP" altLang="en-US" smtClean="0"/>
-              <a:t>2022/1/20</a:t>
+              <a:t>2022/8/11</a:t>
             </a:fld>
             <a:endParaRPr kumimoji="1" lang="ja-JP" altLang="en-US"/>
           </a:p>
@@ -2636,7 +2636,7 @@
           <a:p>
             <a:fld id="{C284373C-AE3C-4775-A8C9-66950A6586CC}" type="datetimeFigureOut">
               <a:rPr kumimoji="1" lang="ja-JP" altLang="en-US" smtClean="0"/>
-              <a:t>2022/1/20</a:t>
+              <a:t>2022/8/11</a:t>
             </a:fld>
             <a:endParaRPr kumimoji="1" lang="ja-JP" altLang="en-US"/>
           </a:p>
@@ -2924,7 +2924,7 @@
           <a:p>
             <a:fld id="{C284373C-AE3C-4775-A8C9-66950A6586CC}" type="datetimeFigureOut">
               <a:rPr kumimoji="1" lang="ja-JP" altLang="en-US" smtClean="0"/>
-              <a:t>2022/1/20</a:t>
+              <a:t>2022/8/11</a:t>
             </a:fld>
             <a:endParaRPr kumimoji="1" lang="ja-JP" altLang="en-US"/>
           </a:p>
@@ -3197,7 +3197,7 @@
           <a:p>
             <a:fld id="{C284373C-AE3C-4775-A8C9-66950A6586CC}" type="datetimeFigureOut">
               <a:rPr kumimoji="1" lang="ja-JP" altLang="en-US" smtClean="0"/>
-              <a:t>2022/1/20</a:t>
+              <a:t>2022/8/11</a:t>
             </a:fld>
             <a:endParaRPr kumimoji="1" lang="ja-JP" altLang="en-US"/>
           </a:p>
@@ -4485,7 +4485,7 @@
         </p:nvCxnSpPr>
         <p:spPr>
           <a:xfrm>
-            <a:off x="1456681" y="4299902"/>
+            <a:off x="1456681" y="4237272"/>
             <a:ext cx="3605773" cy="0"/>
           </a:xfrm>
           <a:prstGeom prst="straightConnector1">
@@ -4680,7 +4680,7 @@
         </p:nvSpPr>
         <p:spPr>
           <a:xfrm>
-            <a:off x="148254" y="4218605"/>
+            <a:off x="148254" y="4155975"/>
             <a:ext cx="1313707" cy="161583"/>
           </a:xfrm>
           <a:prstGeom prst="rect">
@@ -4961,7 +4961,7 @@
         </p:nvSpPr>
         <p:spPr>
           <a:xfrm>
-            <a:off x="537138" y="5299875"/>
+            <a:off x="537138" y="5187141"/>
             <a:ext cx="916728" cy="161583"/>
           </a:xfrm>
           <a:prstGeom prst="rect">
@@ -5029,7 +5029,7 @@
         </p:nvSpPr>
         <p:spPr>
           <a:xfrm>
-            <a:off x="4706700" y="5811723"/>
+            <a:off x="4706700" y="5868090"/>
             <a:ext cx="786990" cy="161583"/>
           </a:xfrm>
           <a:prstGeom prst="rect">
@@ -5074,7 +5074,7 @@
         </p:nvCxnSpPr>
         <p:spPr>
           <a:xfrm>
-            <a:off x="1456681" y="3692586"/>
+            <a:off x="1456681" y="3629956"/>
             <a:ext cx="3605773" cy="0"/>
           </a:xfrm>
           <a:prstGeom prst="straightConnector1">
@@ -5481,7 +5481,7 @@
         </p:nvCxnSpPr>
         <p:spPr>
           <a:xfrm flipV="1">
-            <a:off x="2959393" y="4884292"/>
+            <a:off x="2959393" y="4771558"/>
             <a:ext cx="0" cy="244296"/>
           </a:xfrm>
           <a:prstGeom prst="straightConnector1">
@@ -5566,7 +5566,7 @@
         </p:nvSpPr>
         <p:spPr>
           <a:xfrm>
-            <a:off x="2057474" y="3522968"/>
+            <a:off x="2057474" y="3460338"/>
             <a:ext cx="1251227" cy="161583"/>
           </a:xfrm>
           <a:prstGeom prst="rect">
@@ -5834,7 +5834,7 @@
         </p:nvCxnSpPr>
         <p:spPr>
           <a:xfrm>
-            <a:off x="1456681" y="4884292"/>
+            <a:off x="1456681" y="4771558"/>
             <a:ext cx="1502712" cy="0"/>
           </a:xfrm>
           <a:prstGeom prst="straightConnector1">
@@ -6588,12 +6588,54 @@
           </a:fontRef>
         </p:style>
       </p:cxnSp>
+      <p:sp>
+        <p:nvSpPr>
+          <p:cNvPr id="54" name="テキスト ボックス 53">
+            <a:extLst>
+              <a:ext uri="{FF2B5EF4-FFF2-40B4-BE49-F238E27FC236}">
+                <a16:creationId xmlns:a16="http://schemas.microsoft.com/office/drawing/2014/main" id="{79ADC8E1-EF51-4858-A47A-AB1EFBE74A9B}"/>
+              </a:ext>
+            </a:extLst>
+          </p:cNvPr>
+          <p:cNvSpPr txBox="1"/>
+          <p:nvPr/>
+        </p:nvSpPr>
+        <p:spPr>
+          <a:xfrm>
+            <a:off x="6120700" y="2464985"/>
+            <a:ext cx="715617" cy="153888"/>
+          </a:xfrm>
+          <a:prstGeom prst="rect">
+            <a:avLst/>
+          </a:prstGeom>
+          <a:noFill/>
+        </p:spPr>
+        <p:txBody>
+          <a:bodyPr wrap="square" lIns="0" tIns="0" rIns="0" bIns="0" rtlCol="0">
+            <a:spAutoFit/>
+          </a:bodyPr>
+          <a:lstStyle/>
+          <a:p>
+            <a:r>
+              <a:rPr kumimoji="1" lang="en-US" altLang="ja-JP" sz="1000" i="1" dirty="0">
+                <a:latin typeface="メイリオ" panose="020B0604030504040204" pitchFamily="50" charset="-128"/>
+                <a:ea typeface="メイリオ" panose="020B0604030504040204" pitchFamily="50" charset="-128"/>
+              </a:rPr>
+              <a:t>PROG_B</a:t>
+            </a:r>
+            <a:endParaRPr kumimoji="1" lang="ja-JP" altLang="en-US" sz="1000" i="1" dirty="0">
+              <a:latin typeface="メイリオ" panose="020B0604030504040204" pitchFamily="50" charset="-128"/>
+              <a:ea typeface="メイリオ" panose="020B0604030504040204" pitchFamily="50" charset="-128"/>
+            </a:endParaRPr>
+          </a:p>
+        </p:txBody>
+      </p:sp>
       <p:cxnSp>
         <p:nvCxnSpPr>
-          <p:cNvPr id="50" name="直線矢印コネクタ 49">
-            <a:extLst>
-              <a:ext uri="{FF2B5EF4-FFF2-40B4-BE49-F238E27FC236}">
-                <a16:creationId xmlns:a16="http://schemas.microsoft.com/office/drawing/2014/main" id="{7BC6AE82-C699-4ABA-A8FF-A4D3EFA21AD7}"/>
+          <p:cNvPr id="77" name="直線矢印コネクタ 76">
+            <a:extLst>
+              <a:ext uri="{FF2B5EF4-FFF2-40B4-BE49-F238E27FC236}">
+                <a16:creationId xmlns:a16="http://schemas.microsoft.com/office/drawing/2014/main" id="{CF6FBABE-340C-476C-94A2-1CBDDAEAE85D}"/>
               </a:ext>
             </a:extLst>
           </p:cNvPr>
@@ -6603,9 +6645,9 @@
           <p:nvPr/>
         </p:nvCxnSpPr>
         <p:spPr>
-          <a:xfrm flipH="1">
-            <a:off x="6039225" y="3132722"/>
-            <a:ext cx="1255586" cy="0"/>
+          <a:xfrm>
+            <a:off x="6021001" y="5009721"/>
+            <a:ext cx="1270180" cy="0"/>
           </a:xfrm>
           <a:prstGeom prst="straightConnector1">
             <a:avLst/>
@@ -6635,10 +6677,10 @@
       </p:cxnSp>
       <p:sp>
         <p:nvSpPr>
-          <p:cNvPr id="54" name="テキスト ボックス 53">
-            <a:extLst>
-              <a:ext uri="{FF2B5EF4-FFF2-40B4-BE49-F238E27FC236}">
-                <a16:creationId xmlns:a16="http://schemas.microsoft.com/office/drawing/2014/main" id="{79ADC8E1-EF51-4858-A47A-AB1EFBE74A9B}"/>
+          <p:cNvPr id="84" name="テキスト ボックス 83">
+            <a:extLst>
+              <a:ext uri="{FF2B5EF4-FFF2-40B4-BE49-F238E27FC236}">
+                <a16:creationId xmlns:a16="http://schemas.microsoft.com/office/drawing/2014/main" id="{2BF15699-1F68-4D19-AF3C-C05CC7EEE519}"/>
               </a:ext>
             </a:extLst>
           </p:cNvPr>
@@ -6647,8 +6689,8 @@
         </p:nvSpPr>
         <p:spPr>
           <a:xfrm>
-            <a:off x="6120700" y="2464985"/>
-            <a:ext cx="715617" cy="153888"/>
+            <a:off x="6085338" y="4826742"/>
+            <a:ext cx="1194753" cy="153888"/>
           </a:xfrm>
           <a:prstGeom prst="rect">
             <a:avLst/>
@@ -6661,156 +6703,13 @@
           </a:bodyPr>
           <a:lstStyle/>
           <a:p>
+            <a:pPr algn="r"/>
             <a:r>
               <a:rPr kumimoji="1" lang="en-US" altLang="ja-JP" sz="1000" i="1" dirty="0">
                 <a:latin typeface="メイリオ" panose="020B0604030504040204" pitchFamily="50" charset="-128"/>
                 <a:ea typeface="メイリオ" panose="020B0604030504040204" pitchFamily="50" charset="-128"/>
               </a:rPr>
-              <a:t>PROG_B</a:t>
-            </a:r>
-            <a:endParaRPr kumimoji="1" lang="ja-JP" altLang="en-US" sz="1000" i="1" dirty="0">
-              <a:latin typeface="メイリオ" panose="020B0604030504040204" pitchFamily="50" charset="-128"/>
-              <a:ea typeface="メイリオ" panose="020B0604030504040204" pitchFamily="50" charset="-128"/>
-            </a:endParaRPr>
-          </a:p>
-        </p:txBody>
-      </p:sp>
-      <p:sp>
-        <p:nvSpPr>
-          <p:cNvPr id="55" name="テキスト ボックス 54">
-            <a:extLst>
-              <a:ext uri="{FF2B5EF4-FFF2-40B4-BE49-F238E27FC236}">
-                <a16:creationId xmlns:a16="http://schemas.microsoft.com/office/drawing/2014/main" id="{ED47EBF5-0E67-491D-A431-FC6CBB2B3E6F}"/>
-              </a:ext>
-            </a:extLst>
-          </p:cNvPr>
-          <p:cNvSpPr txBox="1"/>
-          <p:nvPr/>
-        </p:nvSpPr>
-        <p:spPr>
-          <a:xfrm>
-            <a:off x="6120700" y="2946736"/>
-            <a:ext cx="715617" cy="153888"/>
-          </a:xfrm>
-          <a:prstGeom prst="rect">
-            <a:avLst/>
-          </a:prstGeom>
-          <a:noFill/>
-        </p:spPr>
-        <p:txBody>
-          <a:bodyPr wrap="square" lIns="0" tIns="0" rIns="0" bIns="0" rtlCol="0">
-            <a:spAutoFit/>
-          </a:bodyPr>
-          <a:lstStyle/>
-          <a:p>
-            <a:r>
-              <a:rPr kumimoji="1" lang="en-US" altLang="ja-JP" sz="1000" i="1" dirty="0">
-                <a:latin typeface="メイリオ" panose="020B0604030504040204" pitchFamily="50" charset="-128"/>
-                <a:ea typeface="メイリオ" panose="020B0604030504040204" pitchFamily="50" charset="-128"/>
-              </a:rPr>
-              <a:t>INIT</a:t>
-            </a:r>
-            <a:r>
-              <a:rPr lang="en-US" altLang="ja-JP" sz="1000" i="1" dirty="0">
-                <a:latin typeface="メイリオ" panose="020B0604030504040204" pitchFamily="50" charset="-128"/>
-                <a:ea typeface="メイリオ" panose="020B0604030504040204" pitchFamily="50" charset="-128"/>
-              </a:rPr>
-              <a:t>_</a:t>
-            </a:r>
-            <a:r>
-              <a:rPr kumimoji="1" lang="en-US" altLang="ja-JP" sz="1000" i="1" dirty="0">
-                <a:latin typeface="メイリオ" panose="020B0604030504040204" pitchFamily="50" charset="-128"/>
-                <a:ea typeface="メイリオ" panose="020B0604030504040204" pitchFamily="50" charset="-128"/>
-              </a:rPr>
-              <a:t>B</a:t>
-            </a:r>
-            <a:endParaRPr kumimoji="1" lang="ja-JP" altLang="en-US" sz="1000" i="1" dirty="0">
-              <a:latin typeface="メイリオ" panose="020B0604030504040204" pitchFamily="50" charset="-128"/>
-              <a:ea typeface="メイリオ" panose="020B0604030504040204" pitchFamily="50" charset="-128"/>
-            </a:endParaRPr>
-          </a:p>
-        </p:txBody>
-      </p:sp>
-      <p:cxnSp>
-        <p:nvCxnSpPr>
-          <p:cNvPr id="77" name="直線矢印コネクタ 76">
-            <a:extLst>
-              <a:ext uri="{FF2B5EF4-FFF2-40B4-BE49-F238E27FC236}">
-                <a16:creationId xmlns:a16="http://schemas.microsoft.com/office/drawing/2014/main" id="{CF6FBABE-340C-476C-94A2-1CBDDAEAE85D}"/>
-              </a:ext>
-            </a:extLst>
-          </p:cNvPr>
-          <p:cNvCxnSpPr>
-            <a:cxnSpLocks/>
-          </p:cNvCxnSpPr>
-          <p:nvPr/>
-        </p:nvCxnSpPr>
-        <p:spPr>
-          <a:xfrm>
-            <a:off x="6021001" y="5009721"/>
-            <a:ext cx="1270180" cy="0"/>
-          </a:xfrm>
-          <a:prstGeom prst="straightConnector1">
-            <a:avLst/>
-          </a:prstGeom>
-          <a:ln w="28575">
-            <a:solidFill>
-              <a:schemeClr val="tx1"/>
-            </a:solidFill>
-            <a:headEnd type="arrow" w="med" len="med"/>
-            <a:tailEnd type="none" w="med" len="med"/>
-          </a:ln>
-        </p:spPr>
-        <p:style>
-          <a:lnRef idx="1">
-            <a:schemeClr val="accent1"/>
-          </a:lnRef>
-          <a:fillRef idx="0">
-            <a:schemeClr val="accent1"/>
-          </a:fillRef>
-          <a:effectRef idx="0">
-            <a:schemeClr val="accent1"/>
-          </a:effectRef>
-          <a:fontRef idx="minor">
-            <a:schemeClr val="tx1"/>
-          </a:fontRef>
-        </p:style>
-      </p:cxnSp>
-      <p:sp>
-        <p:nvSpPr>
-          <p:cNvPr id="84" name="テキスト ボックス 83">
-            <a:extLst>
-              <a:ext uri="{FF2B5EF4-FFF2-40B4-BE49-F238E27FC236}">
-                <a16:creationId xmlns:a16="http://schemas.microsoft.com/office/drawing/2014/main" id="{2BF15699-1F68-4D19-AF3C-C05CC7EEE519}"/>
-              </a:ext>
-            </a:extLst>
-          </p:cNvPr>
-          <p:cNvSpPr txBox="1"/>
-          <p:nvPr/>
-        </p:nvSpPr>
-        <p:spPr>
-          <a:xfrm>
-            <a:off x="6154232" y="4826742"/>
-            <a:ext cx="1093710" cy="153888"/>
-          </a:xfrm>
-          <a:prstGeom prst="rect">
-            <a:avLst/>
-          </a:prstGeom>
-          <a:noFill/>
-        </p:spPr>
-        <p:txBody>
-          <a:bodyPr wrap="square" lIns="0" tIns="0" rIns="0" bIns="0" rtlCol="0">
-            <a:spAutoFit/>
-          </a:bodyPr>
-          <a:lstStyle/>
-          <a:p>
-            <a:pPr algn="r"/>
-            <a:r>
-              <a:rPr kumimoji="1" lang="en-US" altLang="ja-JP" sz="1000" i="1" dirty="0">
-                <a:latin typeface="メイリオ" panose="020B0604030504040204" pitchFamily="50" charset="-128"/>
-                <a:ea typeface="メイリオ" panose="020B0604030504040204" pitchFamily="50" charset="-128"/>
-              </a:rPr>
-              <a:t>WATCHDOG</a:t>
+              <a:t>FPGA_WATCHDOG</a:t>
             </a:r>
             <a:endParaRPr kumimoji="1" lang="ja-JP" altLang="en-US" sz="1000" i="1" dirty="0">
               <a:latin typeface="メイリオ" panose="020B0604030504040204" pitchFamily="50" charset="-128"/>
@@ -7190,7 +7089,7 @@
         </p:nvSpPr>
         <p:spPr>
           <a:xfrm>
-            <a:off x="3917126" y="4427004"/>
+            <a:off x="3917126" y="4364374"/>
             <a:ext cx="1251227" cy="161583"/>
           </a:xfrm>
           <a:prstGeom prst="rect">
@@ -7277,7 +7176,7 @@
         </p:nvSpPr>
         <p:spPr>
           <a:xfrm>
-            <a:off x="6156410" y="4553929"/>
+            <a:off x="6087517" y="4553929"/>
             <a:ext cx="1093710" cy="161583"/>
           </a:xfrm>
           <a:prstGeom prst="rect">
@@ -7396,12 +7295,61 @@
           </a:fontRef>
         </p:style>
       </p:cxnSp>
+      <p:sp>
+        <p:nvSpPr>
+          <p:cNvPr id="156" name="テキスト ボックス 155">
+            <a:extLst>
+              <a:ext uri="{FF2B5EF4-FFF2-40B4-BE49-F238E27FC236}">
+                <a16:creationId xmlns:a16="http://schemas.microsoft.com/office/drawing/2014/main" id="{E32E2FA5-E295-40DB-8E5E-EF9FF71F51E4}"/>
+              </a:ext>
+            </a:extLst>
+          </p:cNvPr>
+          <p:cNvSpPr txBox="1"/>
+          <p:nvPr/>
+        </p:nvSpPr>
+        <p:spPr>
+          <a:xfrm>
+            <a:off x="6075312" y="5400262"/>
+            <a:ext cx="1460139" cy="161583"/>
+          </a:xfrm>
+          <a:prstGeom prst="rect">
+            <a:avLst/>
+          </a:prstGeom>
+          <a:noFill/>
+        </p:spPr>
+        <p:txBody>
+          <a:bodyPr wrap="square" lIns="0" tIns="0" rIns="0" bIns="0" rtlCol="0">
+            <a:spAutoFit/>
+          </a:bodyPr>
+          <a:lstStyle/>
+          <a:p>
+            <a:r>
+              <a:rPr lang="en-US" altLang="ja-JP" sz="1050" i="1" dirty="0">
+                <a:latin typeface="メイリオ" panose="020B0604030504040204" pitchFamily="50" charset="-128"/>
+                <a:ea typeface="メイリオ" panose="020B0604030504040204" pitchFamily="50" charset="-128"/>
+              </a:rPr>
+              <a:t>TRCH_CFG</a:t>
+            </a:r>
+            <a:r>
+              <a:rPr kumimoji="1" lang="en-US" altLang="ja-JP" sz="1050" i="1" dirty="0">
+                <a:latin typeface="メイリオ" panose="020B0604030504040204" pitchFamily="50" charset="-128"/>
+                <a:ea typeface="メイリオ" panose="020B0604030504040204" pitchFamily="50" charset="-128"/>
+              </a:rPr>
+              <a:t>_MEM_SEL</a:t>
+            </a:r>
+            <a:endParaRPr kumimoji="1" lang="ja-JP" altLang="en-US" sz="1050" i="1" dirty="0">
+              <a:latin typeface="メイリオ" panose="020B0604030504040204" pitchFamily="50" charset="-128"/>
+              <a:ea typeface="メイリオ" panose="020B0604030504040204" pitchFamily="50" charset="-128"/>
+            </a:endParaRPr>
+          </a:p>
+        </p:txBody>
+      </p:sp>
       <p:cxnSp>
         <p:nvCxnSpPr>
-          <p:cNvPr id="154" name="直線矢印コネクタ 153">
-            <a:extLst>
-              <a:ext uri="{FF2B5EF4-FFF2-40B4-BE49-F238E27FC236}">
-                <a16:creationId xmlns:a16="http://schemas.microsoft.com/office/drawing/2014/main" id="{72B07460-7AB7-46D3-A8CE-77EEFD1B9F00}"/>
+          <p:cNvPr id="280" name="直線矢印コネクタ 279">
+            <a:extLst>
+              <a:ext uri="{FF2B5EF4-FFF2-40B4-BE49-F238E27FC236}">
+                <a16:creationId xmlns:a16="http://schemas.microsoft.com/office/drawing/2014/main" id="{D4E0F1D1-B47D-4D13-80BE-B9048317B703}"/>
               </a:ext>
             </a:extLst>
           </p:cNvPr>
@@ -7412,53 +7360,8 @@
         </p:nvCxnSpPr>
         <p:spPr>
           <a:xfrm>
-            <a:off x="6466718" y="3136817"/>
-            <a:ext cx="0" cy="198922"/>
-          </a:xfrm>
-          <a:prstGeom prst="straightConnector1">
-            <a:avLst/>
-          </a:prstGeom>
-          <a:ln w="28575">
-            <a:solidFill>
-              <a:schemeClr val="tx1"/>
-            </a:solidFill>
-            <a:headEnd type="diamond" w="med" len="med"/>
-            <a:tailEnd type="none" w="med" len="med"/>
-          </a:ln>
-        </p:spPr>
-        <p:style>
-          <a:lnRef idx="1">
-            <a:schemeClr val="accent1"/>
-          </a:lnRef>
-          <a:fillRef idx="0">
-            <a:schemeClr val="accent1"/>
-          </a:fillRef>
-          <a:effectRef idx="0">
-            <a:schemeClr val="accent1"/>
-          </a:effectRef>
-          <a:fontRef idx="minor">
-            <a:schemeClr val="tx1"/>
-          </a:fontRef>
-        </p:style>
-      </p:cxnSp>
-      <p:cxnSp>
-        <p:nvCxnSpPr>
-          <p:cNvPr id="155" name="直線矢印コネクタ 154">
-            <a:extLst>
-              <a:ext uri="{FF2B5EF4-FFF2-40B4-BE49-F238E27FC236}">
-                <a16:creationId xmlns:a16="http://schemas.microsoft.com/office/drawing/2014/main" id="{469BE82E-27C8-4C0E-9D56-50B74114BF0E}"/>
-              </a:ext>
-            </a:extLst>
-          </p:cNvPr>
-          <p:cNvCxnSpPr>
-            <a:cxnSpLocks/>
-          </p:cNvCxnSpPr>
-          <p:nvPr/>
-        </p:nvCxnSpPr>
-        <p:spPr>
-          <a:xfrm>
-            <a:off x="6036675" y="3335739"/>
-            <a:ext cx="430043" cy="0"/>
+            <a:off x="1456681" y="4529982"/>
+            <a:ext cx="3605773" cy="0"/>
           </a:xfrm>
           <a:prstGeom prst="straightConnector1">
             <a:avLst/>
@@ -7488,10 +7391,10 @@
       </p:cxnSp>
       <p:sp>
         <p:nvSpPr>
-          <p:cNvPr id="156" name="テキスト ボックス 155">
-            <a:extLst>
-              <a:ext uri="{FF2B5EF4-FFF2-40B4-BE49-F238E27FC236}">
-                <a16:creationId xmlns:a16="http://schemas.microsoft.com/office/drawing/2014/main" id="{E32E2FA5-E295-40DB-8E5E-EF9FF71F51E4}"/>
+          <p:cNvPr id="143" name="テキスト ボックス 142">
+            <a:extLst>
+              <a:ext uri="{FF2B5EF4-FFF2-40B4-BE49-F238E27FC236}">
+                <a16:creationId xmlns:a16="http://schemas.microsoft.com/office/drawing/2014/main" id="{4006DFF2-0446-4603-9FEF-BFDFB2E71445}"/>
               </a:ext>
             </a:extLst>
           </p:cNvPr>
@@ -7500,94 +7403,7 @@
         </p:nvSpPr>
         <p:spPr>
           <a:xfrm>
-            <a:off x="6075313" y="5381473"/>
-            <a:ext cx="1093710" cy="161583"/>
-          </a:xfrm>
-          <a:prstGeom prst="rect">
-            <a:avLst/>
-          </a:prstGeom>
-          <a:noFill/>
-        </p:spPr>
-        <p:txBody>
-          <a:bodyPr wrap="square" lIns="0" tIns="0" rIns="0" bIns="0" rtlCol="0">
-            <a:spAutoFit/>
-          </a:bodyPr>
-          <a:lstStyle/>
-          <a:p>
-            <a:r>
-              <a:rPr kumimoji="1" lang="en-US" altLang="ja-JP" sz="1050" i="1" dirty="0">
-                <a:latin typeface="メイリオ" panose="020B0604030504040204" pitchFamily="50" charset="-128"/>
-                <a:ea typeface="メイリオ" panose="020B0604030504040204" pitchFamily="50" charset="-128"/>
-              </a:rPr>
-              <a:t>QSPI_MEM_SEL</a:t>
-            </a:r>
-            <a:endParaRPr kumimoji="1" lang="ja-JP" altLang="en-US" sz="1050" i="1" dirty="0">
-              <a:latin typeface="メイリオ" panose="020B0604030504040204" pitchFamily="50" charset="-128"/>
-              <a:ea typeface="メイリオ" panose="020B0604030504040204" pitchFamily="50" charset="-128"/>
-            </a:endParaRPr>
-          </a:p>
-        </p:txBody>
-      </p:sp>
-      <p:cxnSp>
-        <p:nvCxnSpPr>
-          <p:cNvPr id="280" name="直線矢印コネクタ 279">
-            <a:extLst>
-              <a:ext uri="{FF2B5EF4-FFF2-40B4-BE49-F238E27FC236}">
-                <a16:creationId xmlns:a16="http://schemas.microsoft.com/office/drawing/2014/main" id="{D4E0F1D1-B47D-4D13-80BE-B9048317B703}"/>
-              </a:ext>
-            </a:extLst>
-          </p:cNvPr>
-          <p:cNvCxnSpPr>
-            <a:cxnSpLocks/>
-          </p:cNvCxnSpPr>
-          <p:nvPr/>
-        </p:nvCxnSpPr>
-        <p:spPr>
-          <a:xfrm>
-            <a:off x="1456681" y="4592612"/>
-            <a:ext cx="3605773" cy="0"/>
-          </a:xfrm>
-          <a:prstGeom prst="straightConnector1">
-            <a:avLst/>
-          </a:prstGeom>
-          <a:ln w="28575">
-            <a:solidFill>
-              <a:schemeClr val="tx1"/>
-            </a:solidFill>
-            <a:headEnd type="arrow" w="med" len="med"/>
-            <a:tailEnd type="none" w="med" len="med"/>
-          </a:ln>
-        </p:spPr>
-        <p:style>
-          <a:lnRef idx="1">
-            <a:schemeClr val="accent1"/>
-          </a:lnRef>
-          <a:fillRef idx="0">
-            <a:schemeClr val="accent1"/>
-          </a:fillRef>
-          <a:effectRef idx="0">
-            <a:schemeClr val="accent1"/>
-          </a:effectRef>
-          <a:fontRef idx="minor">
-            <a:schemeClr val="tx1"/>
-          </a:fontRef>
-        </p:style>
-      </p:cxnSp>
-      <p:sp>
-        <p:nvSpPr>
-          <p:cNvPr id="143" name="テキスト ボックス 142">
-            <a:extLst>
-              <a:ext uri="{FF2B5EF4-FFF2-40B4-BE49-F238E27FC236}">
-                <a16:creationId xmlns:a16="http://schemas.microsoft.com/office/drawing/2014/main" id="{4006DFF2-0446-4603-9FEF-BFDFB2E71445}"/>
-              </a:ext>
-            </a:extLst>
-          </p:cNvPr>
-          <p:cNvSpPr txBox="1"/>
-          <p:nvPr/>
-        </p:nvSpPr>
-        <p:spPr>
-          <a:xfrm>
-            <a:off x="537138" y="4828857"/>
+            <a:off x="537138" y="4716123"/>
             <a:ext cx="916728" cy="161583"/>
           </a:xfrm>
           <a:prstGeom prst="rect">
@@ -7637,7 +7453,7 @@
         </p:nvCxnSpPr>
         <p:spPr>
           <a:xfrm>
-            <a:off x="1456681" y="6017508"/>
+            <a:off x="1456681" y="6073875"/>
             <a:ext cx="4090917" cy="0"/>
           </a:xfrm>
           <a:prstGeom prst="straightConnector1">
@@ -7682,9 +7498,9 @@
           <p:nvPr/>
         </p:nvCxnSpPr>
         <p:spPr>
-          <a:xfrm flipH="1">
-            <a:off x="5547598" y="5719124"/>
-            <a:ext cx="2632" cy="298384"/>
+          <a:xfrm>
+            <a:off x="5550230" y="5719124"/>
+            <a:ext cx="0" cy="354751"/>
           </a:xfrm>
           <a:prstGeom prst="straightConnector1">
             <a:avLst/>
@@ -7817,7 +7633,7 @@
         </p:nvSpPr>
         <p:spPr>
           <a:xfrm>
-            <a:off x="155874" y="5925097"/>
+            <a:off x="155874" y="5981464"/>
             <a:ext cx="1313707" cy="161583"/>
           </a:xfrm>
           <a:prstGeom prst="rect">
@@ -8361,7 +8177,7 @@
         <p:spPr>
           <a:xfrm flipV="1">
             <a:off x="4700321" y="2294432"/>
-            <a:ext cx="0" cy="1398154"/>
+            <a:ext cx="0" cy="1335524"/>
           </a:xfrm>
           <a:prstGeom prst="straightConnector1">
             <a:avLst/>
@@ -8448,7 +8264,7 @@
         </p:nvSpPr>
         <p:spPr>
           <a:xfrm>
-            <a:off x="2165256" y="5003268"/>
+            <a:off x="2165256" y="4890534"/>
             <a:ext cx="645051" cy="767285"/>
           </a:xfrm>
           <a:prstGeom prst="rect">
@@ -8514,7 +8330,7 @@
         </p:nvCxnSpPr>
         <p:spPr>
           <a:xfrm flipH="1">
-            <a:off x="1456681" y="5134591"/>
+            <a:off x="1456681" y="5021857"/>
             <a:ext cx="720029" cy="0"/>
           </a:xfrm>
           <a:prstGeom prst="straightConnector1">
@@ -8559,7 +8375,7 @@
         </p:nvCxnSpPr>
         <p:spPr>
           <a:xfrm flipH="1">
-            <a:off x="1456681" y="5637090"/>
+            <a:off x="1456681" y="5524356"/>
             <a:ext cx="708575" cy="0"/>
           </a:xfrm>
           <a:prstGeom prst="straightConnector1">
@@ -8604,7 +8420,7 @@
         </p:nvCxnSpPr>
         <p:spPr>
           <a:xfrm flipH="1">
-            <a:off x="2804011" y="5136469"/>
+            <a:off x="2804011" y="5023735"/>
             <a:ext cx="390390" cy="0"/>
           </a:xfrm>
           <a:prstGeom prst="straightConnector1">
@@ -8649,7 +8465,7 @@
         </p:nvCxnSpPr>
         <p:spPr>
           <a:xfrm flipH="1">
-            <a:off x="2804066" y="5301924"/>
+            <a:off x="2804066" y="5189190"/>
             <a:ext cx="390390" cy="0"/>
           </a:xfrm>
           <a:prstGeom prst="straightConnector1">
@@ -8694,7 +8510,7 @@
         </p:nvCxnSpPr>
         <p:spPr>
           <a:xfrm flipH="1">
-            <a:off x="2803956" y="5467449"/>
+            <a:off x="2803956" y="5354715"/>
             <a:ext cx="390390" cy="0"/>
           </a:xfrm>
           <a:prstGeom prst="straightConnector1">
@@ -8739,7 +8555,7 @@
         </p:nvCxnSpPr>
         <p:spPr>
           <a:xfrm flipH="1">
-            <a:off x="2804011" y="5632904"/>
+            <a:off x="2804011" y="5520170"/>
             <a:ext cx="390390" cy="0"/>
           </a:xfrm>
           <a:prstGeom prst="straightConnector1">
@@ -8782,7 +8598,7 @@
         </p:nvSpPr>
         <p:spPr>
           <a:xfrm>
-            <a:off x="3217025" y="5072794"/>
+            <a:off x="3217025" y="4960060"/>
             <a:ext cx="406927" cy="646331"/>
           </a:xfrm>
           <a:prstGeom prst="rect">
@@ -9118,7 +8934,7 @@
         </p:nvSpPr>
         <p:spPr>
           <a:xfrm>
-            <a:off x="148254" y="3597332"/>
+            <a:off x="148254" y="3534702"/>
             <a:ext cx="1313707" cy="161583"/>
           </a:xfrm>
           <a:prstGeom prst="rect">
@@ -9236,7 +9052,7 @@
         </p:nvSpPr>
         <p:spPr>
           <a:xfrm>
-            <a:off x="145393" y="4516121"/>
+            <a:off x="145393" y="4453491"/>
             <a:ext cx="1251227" cy="161583"/>
           </a:xfrm>
           <a:prstGeom prst="rect">
@@ -9373,7 +9189,7 @@
         </p:nvCxnSpPr>
         <p:spPr>
           <a:xfrm flipH="1">
-            <a:off x="1461363" y="3938705"/>
+            <a:off x="1461363" y="3876075"/>
             <a:ext cx="3601091" cy="0"/>
           </a:xfrm>
           <a:prstGeom prst="straightConnector1">
@@ -9416,7 +9232,7 @@
         </p:nvSpPr>
         <p:spPr>
           <a:xfrm>
-            <a:off x="152936" y="3819031"/>
+            <a:off x="152936" y="3756401"/>
             <a:ext cx="1301993" cy="273152"/>
           </a:xfrm>
           <a:prstGeom prst="rect">
@@ -9451,6 +9267,229 @@
               </a:rPr>
               <a:t>signal x 3 (3.3V IO)</a:t>
             </a:r>
+          </a:p>
+        </p:txBody>
+      </p:sp>
+      <p:cxnSp>
+        <p:nvCxnSpPr>
+          <p:cNvPr id="122" name="直線矢印コネクタ 121">
+            <a:extLst>
+              <a:ext uri="{FF2B5EF4-FFF2-40B4-BE49-F238E27FC236}">
+                <a16:creationId xmlns:a16="http://schemas.microsoft.com/office/drawing/2014/main" id="{013CCD9E-E78E-2213-C092-1EF5C7B1AEF7}"/>
+              </a:ext>
+            </a:extLst>
+          </p:cNvPr>
+          <p:cNvCxnSpPr>
+            <a:cxnSpLocks/>
+          </p:cNvCxnSpPr>
+          <p:nvPr/>
+        </p:nvCxnSpPr>
+        <p:spPr>
+          <a:xfrm>
+            <a:off x="2483592" y="5657819"/>
+            <a:ext cx="0" cy="210271"/>
+          </a:xfrm>
+          <a:prstGeom prst="straightConnector1">
+            <a:avLst/>
+          </a:prstGeom>
+          <a:ln w="28575">
+            <a:solidFill>
+              <a:schemeClr val="tx1"/>
+            </a:solidFill>
+            <a:headEnd type="arrow" w="med" len="med"/>
+            <a:tailEnd type="none" w="med" len="med"/>
+          </a:ln>
+        </p:spPr>
+        <p:style>
+          <a:lnRef idx="1">
+            <a:schemeClr val="accent1"/>
+          </a:lnRef>
+          <a:fillRef idx="0">
+            <a:schemeClr val="accent1"/>
+          </a:fillRef>
+          <a:effectRef idx="0">
+            <a:schemeClr val="accent1"/>
+          </a:effectRef>
+          <a:fontRef idx="minor">
+            <a:schemeClr val="tx1"/>
+          </a:fontRef>
+        </p:style>
+      </p:cxnSp>
+      <p:cxnSp>
+        <p:nvCxnSpPr>
+          <p:cNvPr id="124" name="直線矢印コネクタ 123">
+            <a:extLst>
+              <a:ext uri="{FF2B5EF4-FFF2-40B4-BE49-F238E27FC236}">
+                <a16:creationId xmlns:a16="http://schemas.microsoft.com/office/drawing/2014/main" id="{C9049279-E451-6750-D3C9-320E7691F8E7}"/>
+              </a:ext>
+            </a:extLst>
+          </p:cNvPr>
+          <p:cNvCxnSpPr>
+            <a:cxnSpLocks/>
+          </p:cNvCxnSpPr>
+          <p:nvPr/>
+        </p:nvCxnSpPr>
+        <p:spPr>
+          <a:xfrm flipH="1">
+            <a:off x="2482793" y="5876521"/>
+            <a:ext cx="1508968" cy="0"/>
+          </a:xfrm>
+          <a:prstGeom prst="straightConnector1">
+            <a:avLst/>
+          </a:prstGeom>
+          <a:ln w="28575">
+            <a:solidFill>
+              <a:schemeClr val="tx1"/>
+            </a:solidFill>
+            <a:headEnd type="none" w="med" len="med"/>
+            <a:tailEnd type="none" w="med" len="med"/>
+          </a:ln>
+        </p:spPr>
+        <p:style>
+          <a:lnRef idx="1">
+            <a:schemeClr val="accent1"/>
+          </a:lnRef>
+          <a:fillRef idx="0">
+            <a:schemeClr val="accent1"/>
+          </a:fillRef>
+          <a:effectRef idx="0">
+            <a:schemeClr val="accent1"/>
+          </a:effectRef>
+          <a:fontRef idx="minor">
+            <a:schemeClr val="tx1"/>
+          </a:fontRef>
+        </p:style>
+      </p:cxnSp>
+      <p:cxnSp>
+        <p:nvCxnSpPr>
+          <p:cNvPr id="127" name="直線矢印コネクタ 126">
+            <a:extLst>
+              <a:ext uri="{FF2B5EF4-FFF2-40B4-BE49-F238E27FC236}">
+                <a16:creationId xmlns:a16="http://schemas.microsoft.com/office/drawing/2014/main" id="{2847C192-5B00-7DB9-6471-B5DCC3BC7155}"/>
+              </a:ext>
+            </a:extLst>
+          </p:cNvPr>
+          <p:cNvCxnSpPr>
+            <a:cxnSpLocks/>
+          </p:cNvCxnSpPr>
+          <p:nvPr/>
+        </p:nvCxnSpPr>
+        <p:spPr>
+          <a:xfrm flipH="1">
+            <a:off x="3964613" y="5527962"/>
+            <a:ext cx="1097841" cy="0"/>
+          </a:xfrm>
+          <a:prstGeom prst="straightConnector1">
+            <a:avLst/>
+          </a:prstGeom>
+          <a:ln w="28575">
+            <a:solidFill>
+              <a:schemeClr val="tx1"/>
+            </a:solidFill>
+            <a:headEnd type="none" w="med" len="med"/>
+            <a:tailEnd type="none" w="med" len="med"/>
+          </a:ln>
+        </p:spPr>
+        <p:style>
+          <a:lnRef idx="1">
+            <a:schemeClr val="accent1"/>
+          </a:lnRef>
+          <a:fillRef idx="0">
+            <a:schemeClr val="accent1"/>
+          </a:fillRef>
+          <a:effectRef idx="0">
+            <a:schemeClr val="accent1"/>
+          </a:effectRef>
+          <a:fontRef idx="minor">
+            <a:schemeClr val="tx1"/>
+          </a:fontRef>
+        </p:style>
+      </p:cxnSp>
+      <p:cxnSp>
+        <p:nvCxnSpPr>
+          <p:cNvPr id="133" name="直線矢印コネクタ 132">
+            <a:extLst>
+              <a:ext uri="{FF2B5EF4-FFF2-40B4-BE49-F238E27FC236}">
+                <a16:creationId xmlns:a16="http://schemas.microsoft.com/office/drawing/2014/main" id="{782C26FD-D34C-340C-FCC9-8FEB1C306FF4}"/>
+              </a:ext>
+            </a:extLst>
+          </p:cNvPr>
+          <p:cNvCxnSpPr>
+            <a:cxnSpLocks/>
+          </p:cNvCxnSpPr>
+          <p:nvPr/>
+        </p:nvCxnSpPr>
+        <p:spPr>
+          <a:xfrm flipV="1">
+            <a:off x="3979235" y="5520170"/>
+            <a:ext cx="0" cy="356351"/>
+          </a:xfrm>
+          <a:prstGeom prst="straightConnector1">
+            <a:avLst/>
+          </a:prstGeom>
+          <a:ln w="28575">
+            <a:solidFill>
+              <a:schemeClr val="tx1"/>
+            </a:solidFill>
+            <a:headEnd type="none" w="med" len="med"/>
+            <a:tailEnd type="none" w="med" len="med"/>
+          </a:ln>
+        </p:spPr>
+        <p:style>
+          <a:lnRef idx="1">
+            <a:schemeClr val="accent1"/>
+          </a:lnRef>
+          <a:fillRef idx="0">
+            <a:schemeClr val="accent1"/>
+          </a:fillRef>
+          <a:effectRef idx="0">
+            <a:schemeClr val="accent1"/>
+          </a:effectRef>
+          <a:fontRef idx="minor">
+            <a:schemeClr val="tx1"/>
+          </a:fontRef>
+        </p:style>
+      </p:cxnSp>
+      <p:sp>
+        <p:nvSpPr>
+          <p:cNvPr id="134" name="テキスト ボックス 133">
+            <a:extLst>
+              <a:ext uri="{FF2B5EF4-FFF2-40B4-BE49-F238E27FC236}">
+                <a16:creationId xmlns:a16="http://schemas.microsoft.com/office/drawing/2014/main" id="{60287700-658B-905B-82D4-543E838461BB}"/>
+              </a:ext>
+            </a:extLst>
+          </p:cNvPr>
+          <p:cNvSpPr txBox="1"/>
+          <p:nvPr/>
+        </p:nvSpPr>
+        <p:spPr>
+          <a:xfrm>
+            <a:off x="3914446" y="5352993"/>
+            <a:ext cx="1093710" cy="161583"/>
+          </a:xfrm>
+          <a:prstGeom prst="rect">
+            <a:avLst/>
+          </a:prstGeom>
+          <a:noFill/>
+        </p:spPr>
+        <p:txBody>
+          <a:bodyPr wrap="square" lIns="0" tIns="0" rIns="0" bIns="0" rtlCol="0">
+            <a:spAutoFit/>
+          </a:bodyPr>
+          <a:lstStyle/>
+          <a:p>
+            <a:pPr algn="r"/>
+            <a:r>
+              <a:rPr kumimoji="1" lang="en-US" altLang="ja-JP" sz="1050" i="1" dirty="0">
+                <a:latin typeface="メイリオ" panose="020B0604030504040204" pitchFamily="50" charset="-128"/>
+                <a:ea typeface="メイリオ" panose="020B0604030504040204" pitchFamily="50" charset="-128"/>
+              </a:rPr>
+              <a:t>FPGA_PWR_EN</a:t>
+            </a:r>
+            <a:endParaRPr kumimoji="1" lang="ja-JP" altLang="en-US" sz="1050" i="1" dirty="0">
+              <a:latin typeface="メイリオ" panose="020B0604030504040204" pitchFamily="50" charset="-128"/>
+              <a:ea typeface="メイリオ" panose="020B0604030504040204" pitchFamily="50" charset="-128"/>
+            </a:endParaRPr>
           </a:p>
         </p:txBody>
       </p:sp>

--- a/images/BlockDiagram.pptx
+++ b/images/BlockDiagram.pptx
@@ -259,7 +259,7 @@
           <a:p>
             <a:fld id="{C284373C-AE3C-4775-A8C9-66950A6586CC}" type="datetimeFigureOut">
               <a:rPr kumimoji="1" lang="ja-JP" altLang="en-US" smtClean="0"/>
-              <a:t>2022/8/11</a:t>
+              <a:t>2022/12/5</a:t>
             </a:fld>
             <a:endParaRPr kumimoji="1" lang="ja-JP" altLang="en-US"/>
           </a:p>
@@ -489,7 +489,7 @@
           <a:p>
             <a:fld id="{C284373C-AE3C-4775-A8C9-66950A6586CC}" type="datetimeFigureOut">
               <a:rPr kumimoji="1" lang="ja-JP" altLang="en-US" smtClean="0"/>
-              <a:t>2022/8/11</a:t>
+              <a:t>2022/12/5</a:t>
             </a:fld>
             <a:endParaRPr kumimoji="1" lang="ja-JP" altLang="en-US"/>
           </a:p>
@@ -729,7 +729,7 @@
           <a:p>
             <a:fld id="{C284373C-AE3C-4775-A8C9-66950A6586CC}" type="datetimeFigureOut">
               <a:rPr kumimoji="1" lang="ja-JP" altLang="en-US" smtClean="0"/>
-              <a:t>2022/8/11</a:t>
+              <a:t>2022/12/5</a:t>
             </a:fld>
             <a:endParaRPr kumimoji="1" lang="ja-JP" altLang="en-US"/>
           </a:p>
@@ -959,7 +959,7 @@
           <a:p>
             <a:fld id="{C284373C-AE3C-4775-A8C9-66950A6586CC}" type="datetimeFigureOut">
               <a:rPr kumimoji="1" lang="ja-JP" altLang="en-US" smtClean="0"/>
-              <a:t>2022/8/11</a:t>
+              <a:t>2022/12/5</a:t>
             </a:fld>
             <a:endParaRPr kumimoji="1" lang="ja-JP" altLang="en-US"/>
           </a:p>
@@ -1234,7 +1234,7 @@
           <a:p>
             <a:fld id="{C284373C-AE3C-4775-A8C9-66950A6586CC}" type="datetimeFigureOut">
               <a:rPr kumimoji="1" lang="ja-JP" altLang="en-US" smtClean="0"/>
-              <a:t>2022/8/11</a:t>
+              <a:t>2022/12/5</a:t>
             </a:fld>
             <a:endParaRPr kumimoji="1" lang="ja-JP" altLang="en-US"/>
           </a:p>
@@ -1563,7 +1563,7 @@
           <a:p>
             <a:fld id="{C284373C-AE3C-4775-A8C9-66950A6586CC}" type="datetimeFigureOut">
               <a:rPr kumimoji="1" lang="ja-JP" altLang="en-US" smtClean="0"/>
-              <a:t>2022/8/11</a:t>
+              <a:t>2022/12/5</a:t>
             </a:fld>
             <a:endParaRPr kumimoji="1" lang="ja-JP" altLang="en-US"/>
           </a:p>
@@ -2039,7 +2039,7 @@
           <a:p>
             <a:fld id="{C284373C-AE3C-4775-A8C9-66950A6586CC}" type="datetimeFigureOut">
               <a:rPr kumimoji="1" lang="ja-JP" altLang="en-US" smtClean="0"/>
-              <a:t>2022/8/11</a:t>
+              <a:t>2022/12/5</a:t>
             </a:fld>
             <a:endParaRPr kumimoji="1" lang="ja-JP" altLang="en-US"/>
           </a:p>
@@ -2180,7 +2180,7 @@
           <a:p>
             <a:fld id="{C284373C-AE3C-4775-A8C9-66950A6586CC}" type="datetimeFigureOut">
               <a:rPr kumimoji="1" lang="ja-JP" altLang="en-US" smtClean="0"/>
-              <a:t>2022/8/11</a:t>
+              <a:t>2022/12/5</a:t>
             </a:fld>
             <a:endParaRPr kumimoji="1" lang="ja-JP" altLang="en-US"/>
           </a:p>
@@ -2293,7 +2293,7 @@
           <a:p>
             <a:fld id="{C284373C-AE3C-4775-A8C9-66950A6586CC}" type="datetimeFigureOut">
               <a:rPr kumimoji="1" lang="ja-JP" altLang="en-US" smtClean="0"/>
-              <a:t>2022/8/11</a:t>
+              <a:t>2022/12/5</a:t>
             </a:fld>
             <a:endParaRPr kumimoji="1" lang="ja-JP" altLang="en-US"/>
           </a:p>
@@ -2636,7 +2636,7 @@
           <a:p>
             <a:fld id="{C284373C-AE3C-4775-A8C9-66950A6586CC}" type="datetimeFigureOut">
               <a:rPr kumimoji="1" lang="ja-JP" altLang="en-US" smtClean="0"/>
-              <a:t>2022/8/11</a:t>
+              <a:t>2022/12/5</a:t>
             </a:fld>
             <a:endParaRPr kumimoji="1" lang="ja-JP" altLang="en-US"/>
           </a:p>
@@ -2924,7 +2924,7 @@
           <a:p>
             <a:fld id="{C284373C-AE3C-4775-A8C9-66950A6586CC}" type="datetimeFigureOut">
               <a:rPr kumimoji="1" lang="ja-JP" altLang="en-US" smtClean="0"/>
-              <a:t>2022/8/11</a:t>
+              <a:t>2022/12/5</a:t>
             </a:fld>
             <a:endParaRPr kumimoji="1" lang="ja-JP" altLang="en-US"/>
           </a:p>
@@ -3197,7 +3197,7 @@
           <a:p>
             <a:fld id="{C284373C-AE3C-4775-A8C9-66950A6586CC}" type="datetimeFigureOut">
               <a:rPr kumimoji="1" lang="ja-JP" altLang="en-US" smtClean="0"/>
-              <a:t>2022/8/11</a:t>
+              <a:t>2022/12/5</a:t>
             </a:fld>
             <a:endParaRPr kumimoji="1" lang="ja-JP" altLang="en-US"/>
           </a:p>
@@ -4961,7 +4961,7 @@
         </p:nvSpPr>
         <p:spPr>
           <a:xfrm>
-            <a:off x="537138" y="5187141"/>
+            <a:off x="537138" y="5074847"/>
             <a:ext cx="916728" cy="161583"/>
           </a:xfrm>
           <a:prstGeom prst="rect">
@@ -8264,8 +8264,8 @@
         </p:nvSpPr>
         <p:spPr>
           <a:xfrm>
-            <a:off x="2165256" y="4890534"/>
-            <a:ext cx="645051" cy="767285"/>
+            <a:off x="2165256" y="4890535"/>
+            <a:ext cx="645051" cy="596450"/>
           </a:xfrm>
           <a:prstGeom prst="rect">
             <a:avLst/>
@@ -8375,7 +8375,7 @@
         </p:nvCxnSpPr>
         <p:spPr>
           <a:xfrm flipH="1">
-            <a:off x="1456681" y="5524356"/>
+            <a:off x="1456681" y="5379978"/>
             <a:ext cx="708575" cy="0"/>
           </a:xfrm>
           <a:prstGeom prst="straightConnector1">
@@ -8496,10 +8496,10 @@
       </p:cxnSp>
       <p:cxnSp>
         <p:nvCxnSpPr>
-          <p:cNvPr id="217" name="直線矢印コネクタ 216">
-            <a:extLst>
-              <a:ext uri="{FF2B5EF4-FFF2-40B4-BE49-F238E27FC236}">
-                <a16:creationId xmlns:a16="http://schemas.microsoft.com/office/drawing/2014/main" id="{1B06681C-4B15-4DA6-98B1-A1A8609A759C}"/>
+          <p:cNvPr id="220" name="直線矢印コネクタ 219">
+            <a:extLst>
+              <a:ext uri="{FF2B5EF4-FFF2-40B4-BE49-F238E27FC236}">
+                <a16:creationId xmlns:a16="http://schemas.microsoft.com/office/drawing/2014/main" id="{34EEA602-3B1F-417E-B707-B68CC1C3FDC2}"/>
               </a:ext>
             </a:extLst>
           </p:cNvPr>
@@ -8510,7 +8510,7 @@
         </p:nvCxnSpPr>
         <p:spPr>
           <a:xfrm flipH="1">
-            <a:off x="2803956" y="5354715"/>
+            <a:off x="2804011" y="5335687"/>
             <a:ext cx="390390" cy="0"/>
           </a:xfrm>
           <a:prstGeom prst="straightConnector1">
@@ -8539,51 +8539,6 @@
           </a:fontRef>
         </p:style>
       </p:cxnSp>
-      <p:cxnSp>
-        <p:nvCxnSpPr>
-          <p:cNvPr id="220" name="直線矢印コネクタ 219">
-            <a:extLst>
-              <a:ext uri="{FF2B5EF4-FFF2-40B4-BE49-F238E27FC236}">
-                <a16:creationId xmlns:a16="http://schemas.microsoft.com/office/drawing/2014/main" id="{34EEA602-3B1F-417E-B707-B68CC1C3FDC2}"/>
-              </a:ext>
-            </a:extLst>
-          </p:cNvPr>
-          <p:cNvCxnSpPr>
-            <a:cxnSpLocks/>
-          </p:cNvCxnSpPr>
-          <p:nvPr/>
-        </p:nvCxnSpPr>
-        <p:spPr>
-          <a:xfrm flipH="1">
-            <a:off x="2804011" y="5520170"/>
-            <a:ext cx="390390" cy="0"/>
-          </a:xfrm>
-          <a:prstGeom prst="straightConnector1">
-            <a:avLst/>
-          </a:prstGeom>
-          <a:ln w="28575">
-            <a:solidFill>
-              <a:schemeClr val="accent2"/>
-            </a:solidFill>
-            <a:headEnd type="arrow" w="med" len="med"/>
-            <a:tailEnd type="none" w="med" len="med"/>
-          </a:ln>
-        </p:spPr>
-        <p:style>
-          <a:lnRef idx="1">
-            <a:schemeClr val="accent1"/>
-          </a:lnRef>
-          <a:fillRef idx="0">
-            <a:schemeClr val="accent1"/>
-          </a:fillRef>
-          <a:effectRef idx="0">
-            <a:schemeClr val="accent1"/>
-          </a:effectRef>
-          <a:fontRef idx="minor">
-            <a:schemeClr val="tx1"/>
-          </a:fontRef>
-        </p:style>
-      </p:cxnSp>
       <p:sp>
         <p:nvSpPr>
           <p:cNvPr id="221" name="テキスト ボックス 220">
@@ -8599,7 +8554,7 @@
         <p:spPr>
           <a:xfrm>
             <a:off x="3217025" y="4960060"/>
-            <a:ext cx="406927" cy="646331"/>
+            <a:ext cx="406927" cy="484748"/>
           </a:xfrm>
           <a:prstGeom prst="rect">
             <a:avLst/>
@@ -8628,15 +8583,10 @@
               </a:rPr>
               <a:t>1.8V</a:t>
             </a:r>
-          </a:p>
-          <a:p>
-            <a:r>
-              <a:rPr lang="en-US" altLang="ja-JP" sz="1050" dirty="0">
-                <a:latin typeface="メイリオ" panose="020B0604030504040204" pitchFamily="50" charset="-128"/>
-                <a:ea typeface="メイリオ" panose="020B0604030504040204" pitchFamily="50" charset="-128"/>
-              </a:rPr>
-              <a:t>1.2V</a:t>
-            </a:r>
+            <a:endParaRPr lang="en-US" altLang="ja-JP" sz="1050" dirty="0">
+              <a:latin typeface="メイリオ" panose="020B0604030504040204" pitchFamily="50" charset="-128"/>
+              <a:ea typeface="メイリオ" panose="020B0604030504040204" pitchFamily="50" charset="-128"/>
+            </a:endParaRPr>
           </a:p>
           <a:p>
             <a:r>
@@ -9286,8 +9236,8 @@
         </p:nvCxnSpPr>
         <p:spPr>
           <a:xfrm>
-            <a:off x="2483592" y="5657819"/>
-            <a:ext cx="0" cy="210271"/>
+            <a:off x="2483592" y="5444808"/>
+            <a:ext cx="0" cy="423282"/>
           </a:xfrm>
           <a:prstGeom prst="straightConnector1">
             <a:avLst/>
@@ -9331,7 +9281,7 @@
         </p:nvCxnSpPr>
         <p:spPr>
           <a:xfrm flipH="1">
-            <a:off x="2482793" y="5876521"/>
+            <a:off x="2467553" y="5857158"/>
             <a:ext cx="1508968" cy="0"/>
           </a:xfrm>
           <a:prstGeom prst="straightConnector1">
@@ -9421,7 +9371,7 @@
         </p:nvCxnSpPr>
         <p:spPr>
           <a:xfrm flipV="1">
-            <a:off x="3979235" y="5520170"/>
+            <a:off x="3979235" y="5512149"/>
             <a:ext cx="0" cy="356351"/>
           </a:xfrm>
           <a:prstGeom prst="straightConnector1">

--- a/images/BlockDiagram.pptx
+++ b/images/BlockDiagram.pptx
@@ -259,7 +259,7 @@
           <a:p>
             <a:fld id="{C284373C-AE3C-4775-A8C9-66950A6586CC}" type="datetimeFigureOut">
               <a:rPr kumimoji="1" lang="ja-JP" altLang="en-US" smtClean="0"/>
-              <a:t>2022/12/5</a:t>
+              <a:t>2023/6/14</a:t>
             </a:fld>
             <a:endParaRPr kumimoji="1" lang="ja-JP" altLang="en-US"/>
           </a:p>
@@ -489,7 +489,7 @@
           <a:p>
             <a:fld id="{C284373C-AE3C-4775-A8C9-66950A6586CC}" type="datetimeFigureOut">
               <a:rPr kumimoji="1" lang="ja-JP" altLang="en-US" smtClean="0"/>
-              <a:t>2022/12/5</a:t>
+              <a:t>2023/6/14</a:t>
             </a:fld>
             <a:endParaRPr kumimoji="1" lang="ja-JP" altLang="en-US"/>
           </a:p>
@@ -729,7 +729,7 @@
           <a:p>
             <a:fld id="{C284373C-AE3C-4775-A8C9-66950A6586CC}" type="datetimeFigureOut">
               <a:rPr kumimoji="1" lang="ja-JP" altLang="en-US" smtClean="0"/>
-              <a:t>2022/12/5</a:t>
+              <a:t>2023/6/14</a:t>
             </a:fld>
             <a:endParaRPr kumimoji="1" lang="ja-JP" altLang="en-US"/>
           </a:p>
@@ -959,7 +959,7 @@
           <a:p>
             <a:fld id="{C284373C-AE3C-4775-A8C9-66950A6586CC}" type="datetimeFigureOut">
               <a:rPr kumimoji="1" lang="ja-JP" altLang="en-US" smtClean="0"/>
-              <a:t>2022/12/5</a:t>
+              <a:t>2023/6/14</a:t>
             </a:fld>
             <a:endParaRPr kumimoji="1" lang="ja-JP" altLang="en-US"/>
           </a:p>
@@ -1234,7 +1234,7 @@
           <a:p>
             <a:fld id="{C284373C-AE3C-4775-A8C9-66950A6586CC}" type="datetimeFigureOut">
               <a:rPr kumimoji="1" lang="ja-JP" altLang="en-US" smtClean="0"/>
-              <a:t>2022/12/5</a:t>
+              <a:t>2023/6/14</a:t>
             </a:fld>
             <a:endParaRPr kumimoji="1" lang="ja-JP" altLang="en-US"/>
           </a:p>
@@ -1563,7 +1563,7 @@
           <a:p>
             <a:fld id="{C284373C-AE3C-4775-A8C9-66950A6586CC}" type="datetimeFigureOut">
               <a:rPr kumimoji="1" lang="ja-JP" altLang="en-US" smtClean="0"/>
-              <a:t>2022/12/5</a:t>
+              <a:t>2023/6/14</a:t>
             </a:fld>
             <a:endParaRPr kumimoji="1" lang="ja-JP" altLang="en-US"/>
           </a:p>
@@ -2039,7 +2039,7 @@
           <a:p>
             <a:fld id="{C284373C-AE3C-4775-A8C9-66950A6586CC}" type="datetimeFigureOut">
               <a:rPr kumimoji="1" lang="ja-JP" altLang="en-US" smtClean="0"/>
-              <a:t>2022/12/5</a:t>
+              <a:t>2023/6/14</a:t>
             </a:fld>
             <a:endParaRPr kumimoji="1" lang="ja-JP" altLang="en-US"/>
           </a:p>
@@ -2180,7 +2180,7 @@
           <a:p>
             <a:fld id="{C284373C-AE3C-4775-A8C9-66950A6586CC}" type="datetimeFigureOut">
               <a:rPr kumimoji="1" lang="ja-JP" altLang="en-US" smtClean="0"/>
-              <a:t>2022/12/5</a:t>
+              <a:t>2023/6/14</a:t>
             </a:fld>
             <a:endParaRPr kumimoji="1" lang="ja-JP" altLang="en-US"/>
           </a:p>
@@ -2293,7 +2293,7 @@
           <a:p>
             <a:fld id="{C284373C-AE3C-4775-A8C9-66950A6586CC}" type="datetimeFigureOut">
               <a:rPr kumimoji="1" lang="ja-JP" altLang="en-US" smtClean="0"/>
-              <a:t>2022/12/5</a:t>
+              <a:t>2023/6/14</a:t>
             </a:fld>
             <a:endParaRPr kumimoji="1" lang="ja-JP" altLang="en-US"/>
           </a:p>
@@ -2636,7 +2636,7 @@
           <a:p>
             <a:fld id="{C284373C-AE3C-4775-A8C9-66950A6586CC}" type="datetimeFigureOut">
               <a:rPr kumimoji="1" lang="ja-JP" altLang="en-US" smtClean="0"/>
-              <a:t>2022/12/5</a:t>
+              <a:t>2023/6/14</a:t>
             </a:fld>
             <a:endParaRPr kumimoji="1" lang="ja-JP" altLang="en-US"/>
           </a:p>
@@ -2924,7 +2924,7 @@
           <a:p>
             <a:fld id="{C284373C-AE3C-4775-A8C9-66950A6586CC}" type="datetimeFigureOut">
               <a:rPr kumimoji="1" lang="ja-JP" altLang="en-US" smtClean="0"/>
-              <a:t>2022/12/5</a:t>
+              <a:t>2023/6/14</a:t>
             </a:fld>
             <a:endParaRPr kumimoji="1" lang="ja-JP" altLang="en-US"/>
           </a:p>
@@ -3197,7 +3197,7 @@
           <a:p>
             <a:fld id="{C284373C-AE3C-4775-A8C9-66950A6586CC}" type="datetimeFigureOut">
               <a:rPr kumimoji="1" lang="ja-JP" altLang="en-US" smtClean="0"/>
-              <a:t>2022/12/5</a:t>
+              <a:t>2023/6/14</a:t>
             </a:fld>
             <a:endParaRPr kumimoji="1" lang="ja-JP" altLang="en-US"/>
           </a:p>
@@ -4239,7 +4239,7 @@
                 <a:latin typeface="メイリオ" panose="020B0604030504040204" pitchFamily="50" charset="-128"/>
                 <a:ea typeface="メイリオ" panose="020B0604030504040204" pitchFamily="50" charset="-128"/>
               </a:rPr>
-              <a:t>NOR</a:t>
+              <a:t>Configuration</a:t>
             </a:r>
           </a:p>
           <a:p>
@@ -4299,7 +4299,7 @@
                 <a:latin typeface="メイリオ" panose="020B0604030504040204" pitchFamily="50" charset="-128"/>
                 <a:ea typeface="メイリオ" panose="020B0604030504040204" pitchFamily="50" charset="-128"/>
               </a:rPr>
-              <a:t>NOR</a:t>
+              <a:t>Configuration</a:t>
             </a:r>
           </a:p>
           <a:p>
@@ -4359,18 +4359,22 @@
                 <a:latin typeface="メイリオ" panose="020B0604030504040204" pitchFamily="50" charset="-128"/>
                 <a:ea typeface="メイリオ" panose="020B0604030504040204" pitchFamily="50" charset="-128"/>
               </a:rPr>
-              <a:t>NOR </a:t>
-            </a:r>
-            <a:r>
-              <a:rPr kumimoji="1" lang="en-US" altLang="ja-JP" sz="1000" dirty="0">
+              <a:t>Data Store</a:t>
+            </a:r>
+            <a:endParaRPr kumimoji="1" lang="en-US" altLang="ja-JP" sz="1000" dirty="0">
+              <a:latin typeface="メイリオ" panose="020B0604030504040204" pitchFamily="50" charset="-128"/>
+              <a:ea typeface="メイリオ" panose="020B0604030504040204" pitchFamily="50" charset="-128"/>
+            </a:endParaRPr>
+          </a:p>
+          <a:p>
+            <a:pPr algn="ctr"/>
+            <a:r>
+              <a:rPr lang="en-US" altLang="ja-JP" sz="1000" dirty="0">
                 <a:latin typeface="メイリオ" panose="020B0604030504040204" pitchFamily="50" charset="-128"/>
                 <a:ea typeface="メイリオ" panose="020B0604030504040204" pitchFamily="50" charset="-128"/>
               </a:rPr>
-              <a:t>Flash</a:t>
-            </a:r>
-          </a:p>
-          <a:p>
-            <a:pPr algn="ctr"/>
+              <a:t>Flash </a:t>
+            </a:r>
             <a:r>
               <a:rPr kumimoji="1" lang="en-US" altLang="ja-JP" sz="1000" dirty="0">
                 <a:latin typeface="メイリオ" panose="020B0604030504040204" pitchFamily="50" charset="-128"/>
@@ -5908,15 +5912,12 @@
                 <a:latin typeface="メイリオ" panose="020B0604030504040204" pitchFamily="50" charset="-128"/>
                 <a:ea typeface="メイリオ" panose="020B0604030504040204" pitchFamily="50" charset="-128"/>
               </a:rPr>
-              <a:t>NOR </a:t>
-            </a:r>
-            <a:r>
-              <a:rPr kumimoji="1" lang="en-US" altLang="ja-JP" sz="1000" dirty="0">
-                <a:latin typeface="メイリオ" panose="020B0604030504040204" pitchFamily="50" charset="-128"/>
-                <a:ea typeface="メイリオ" panose="020B0604030504040204" pitchFamily="50" charset="-128"/>
-              </a:rPr>
-              <a:t>Flash</a:t>
-            </a:r>
+              <a:t>Data Store</a:t>
+            </a:r>
+            <a:endParaRPr kumimoji="1" lang="en-US" altLang="ja-JP" sz="1000" dirty="0">
+              <a:latin typeface="メイリオ" panose="020B0604030504040204" pitchFamily="50" charset="-128"/>
+              <a:ea typeface="メイリオ" panose="020B0604030504040204" pitchFamily="50" charset="-128"/>
+            </a:endParaRPr>
           </a:p>
           <a:p>
             <a:pPr algn="ctr"/>
